--- a/ClassMaterials/IntroToGraphics/Slides/Graphics.pptx
+++ b/ClassMaterials/IntroToGraphics/Slides/Graphics.pptx
@@ -576,7 +576,7 @@
               </a:lnSpc>
             </a:pPr>
             <a:r>
-              <a:rPr lang="en-US" sz="2000" b="0" strike="noStrike" spc="-1" baseline="0" dirty="0" smtClean="0">
+              <a:rPr lang="en-US" sz="2000" b="0" strike="noStrike" spc="-1" baseline="0" dirty="0">
                 <a:solidFill>
                   <a:srgbClr val="000000"/>
                 </a:solidFill>
@@ -590,7 +590,7 @@
               <a:t>QUIZ TODAY is </a:t>
             </a:r>
             <a:r>
-              <a:rPr lang="en-US" sz="2000" b="0" strike="noStrike" spc="-1" baseline="0" dirty="0" err="1" smtClean="0">
+              <a:rPr lang="en-US" sz="2000" b="0" strike="noStrike" spc="-1" baseline="0" dirty="0" err="1">
                 <a:solidFill>
                   <a:srgbClr val="000000"/>
                 </a:solidFill>
@@ -1999,37 +1999,37 @@
           <a:lstStyle/>
           <a:p>
             <a:r>
-              <a:rPr lang="en-US" dirty="0" smtClean="0"/>
+              <a:rPr lang="en-US" dirty="0"/>
               <a:t>Ask students how they could draw these with</a:t>
             </a:r>
             <a:r>
-              <a:rPr lang="en-US" baseline="0" dirty="0" smtClean="0"/>
+              <a:rPr lang="en-US" baseline="0" dirty="0"/>
               <a:t> their current knowledge.</a:t>
             </a:r>
           </a:p>
           <a:p>
-            <a:endParaRPr lang="en-US" baseline="0" dirty="0" smtClean="0"/>
-          </a:p>
-          <a:p>
-            <a:r>
-              <a:rPr lang="en-US" baseline="0" dirty="0" smtClean="0"/>
+            <a:endParaRPr lang="en-US" baseline="0" dirty="0"/>
+          </a:p>
+          <a:p>
+            <a:r>
+              <a:rPr lang="en-US" baseline="0" dirty="0"/>
               <a:t>-Will suggest mathematics to calculate the position (</a:t>
             </a:r>
             <a:r>
-              <a:rPr lang="en-US" baseline="0" dirty="0" err="1" smtClean="0"/>
+              <a:rPr lang="en-US" baseline="0" dirty="0" err="1"/>
               <a:t>x,y</a:t>
             </a:r>
             <a:r>
-              <a:rPr lang="en-US" baseline="0" dirty="0" smtClean="0"/>
+              <a:rPr lang="en-US" baseline="0" dirty="0"/>
               <a:t>)</a:t>
             </a:r>
           </a:p>
           <a:p>
-            <a:endParaRPr lang="en-US" baseline="0" dirty="0" smtClean="0"/>
-          </a:p>
-          <a:p>
-            <a:r>
-              <a:rPr lang="en-US" baseline="0" dirty="0" smtClean="0"/>
+            <a:endParaRPr lang="en-US" baseline="0" dirty="0"/>
+          </a:p>
+          <a:p>
+            <a:r>
+              <a:rPr lang="en-US" baseline="0" dirty="0"/>
               <a:t>Manageable, but we can do it.</a:t>
             </a:r>
           </a:p>
@@ -2151,26 +2151,26 @@
           <a:lstStyle/>
           <a:p>
             <a:r>
-              <a:rPr lang="en-US" dirty="0" smtClean="0"/>
+              <a:rPr lang="en-US" dirty="0"/>
               <a:t>Ask students how they could draw these with</a:t>
             </a:r>
             <a:r>
-              <a:rPr lang="en-US" baseline="0" dirty="0" smtClean="0"/>
+              <a:rPr lang="en-US" baseline="0" dirty="0"/>
               <a:t> their current knowledge.</a:t>
             </a:r>
           </a:p>
           <a:p>
             <a:r>
-              <a:rPr lang="en-US" baseline="0" dirty="0" smtClean="0"/>
+              <a:rPr lang="en-US" baseline="0" dirty="0"/>
               <a:t>-Will suggest mathematics to calculate the position based on trig functions…</a:t>
             </a:r>
           </a:p>
           <a:p>
-            <a:endParaRPr lang="en-US" baseline="0" dirty="0" smtClean="0"/>
-          </a:p>
-          <a:p>
-            <a:r>
-              <a:rPr lang="en-US" baseline="0" dirty="0" smtClean="0"/>
+            <a:endParaRPr lang="en-US" baseline="0" dirty="0"/>
+          </a:p>
+          <a:p>
+            <a:r>
+              <a:rPr lang="en-US" baseline="0" dirty="0"/>
               <a:t>TOO HARD – LAZINESS IS A VIRTUE!</a:t>
             </a:r>
             <a:endParaRPr lang="en-US" dirty="0"/>
@@ -2412,16 +2412,16 @@
           <a:lstStyle/>
           <a:p>
             <a:r>
-              <a:rPr lang="en-US" dirty="0" smtClean="0"/>
+              <a:rPr lang="en-US" dirty="0"/>
               <a:t>Optional slide if showing how</a:t>
             </a:r>
             <a:r>
-              <a:rPr lang="en-US" baseline="0" dirty="0" smtClean="0"/>
+              <a:rPr lang="en-US" baseline="0" dirty="0"/>
               <a:t> to make sure to undo translate and rotate</a:t>
             </a:r>
           </a:p>
           <a:p>
-            <a:endParaRPr lang="en-US" baseline="0" dirty="0" smtClean="0"/>
+            <a:endParaRPr lang="en-US" baseline="0" dirty="0"/>
           </a:p>
           <a:p>
             <a:endParaRPr lang="en-US" dirty="0"/>
@@ -4750,10 +4750,9 @@
           <a:lstStyle/>
           <a:p>
             <a:r>
-              <a:rPr lang="en-US" smtClean="0"/>
+              <a:rPr lang="en-US"/>
               <a:t>Click to edit Master title style</a:t>
             </a:r>
-            <a:endParaRPr lang="en-US"/>
           </a:p>
         </p:txBody>
       </p:sp>
@@ -4774,38 +4773,37 @@
           <a:p>
             <a:pPr lvl="0"/>
             <a:r>
-              <a:rPr lang="en-US" smtClean="0"/>
+              <a:rPr lang="en-US"/>
               <a:t>Click to edit Master text styles</a:t>
             </a:r>
           </a:p>
           <a:p>
             <a:pPr lvl="1"/>
             <a:r>
-              <a:rPr lang="en-US" smtClean="0"/>
+              <a:rPr lang="en-US"/>
               <a:t>Second level</a:t>
             </a:r>
           </a:p>
           <a:p>
             <a:pPr lvl="2"/>
             <a:r>
-              <a:rPr lang="en-US" smtClean="0"/>
+              <a:rPr lang="en-US"/>
               <a:t>Third level</a:t>
             </a:r>
           </a:p>
           <a:p>
             <a:pPr lvl="3"/>
             <a:r>
-              <a:rPr lang="en-US" smtClean="0"/>
+              <a:rPr lang="en-US"/>
               <a:t>Fourth level</a:t>
             </a:r>
           </a:p>
           <a:p>
             <a:pPr lvl="4"/>
             <a:r>
-              <a:rPr lang="en-US" smtClean="0"/>
+              <a:rPr lang="en-US"/>
               <a:t>Fifth level</a:t>
             </a:r>
-            <a:endParaRPr lang="en-US"/>
           </a:p>
         </p:txBody>
       </p:sp>
@@ -4832,7 +4830,7 @@
               <a:pPr>
                 <a:defRPr/>
               </a:pPr>
-              <a:t>Monday, March 12, 2018</a:t>
+              <a:t>Thursday, September 13, 2018</a:t>
             </a:fld>
             <a:endParaRPr lang="en-US" dirty="0"/>
           </a:p>
@@ -9875,6 +9873,20 @@
               </a:lnSpc>
             </a:pPr>
             <a:r>
+              <a:rPr lang="en-US" sz="2400" spc="-1" dirty="0">
+                <a:solidFill>
+                  <a:srgbClr val="FFFFFF"/>
+                </a:solidFill>
+                <a:uFill>
+                  <a:solidFill>
+                    <a:srgbClr val="FFFFFF"/>
+                  </a:solidFill>
+                </a:uFill>
+                <a:latin typeface="Calibri"/>
+              </a:rPr>
+              <a:t>Import</a:t>
+            </a:r>
+            <a:r>
               <a:rPr lang="en-US" sz="2400" b="0" strike="noStrike" spc="-1" dirty="0">
                 <a:solidFill>
                   <a:srgbClr val="FFFFFF"/>
@@ -9886,7 +9898,7 @@
                 </a:uFill>
                 <a:latin typeface="Calibri"/>
               </a:rPr>
-              <a:t>Check out </a:t>
+              <a:t> </a:t>
             </a:r>
             <a:r>
               <a:rPr lang="en-US" sz="2400" b="0" strike="noStrike" spc="-1" dirty="0" err="1">
@@ -9903,7 +9915,7 @@
               <a:t>IntroToJavaGraphics</a:t>
             </a:r>
             <a:r>
-              <a:rPr lang="en-US" sz="2400" b="0" strike="noStrike" spc="-1" dirty="0">
+              <a:rPr lang="en-US" sz="2400" b="0" strike="noStrike" spc="-1">
                 <a:solidFill>
                   <a:srgbClr val="FFFFFF"/>
                 </a:solidFill>
@@ -9914,21 +9926,7 @@
                 </a:uFill>
                 <a:latin typeface="Calibri"/>
               </a:rPr>
-              <a:t> from </a:t>
-            </a:r>
-            <a:r>
-              <a:rPr lang="en-US" sz="2400" b="0" strike="noStrike" spc="-1" dirty="0" smtClean="0">
-                <a:solidFill>
-                  <a:srgbClr val="FFFFFF"/>
-                </a:solidFill>
-                <a:uFill>
-                  <a:solidFill>
-                    <a:srgbClr val="FFFFFF"/>
-                  </a:solidFill>
-                </a:uFill>
-                <a:latin typeface="Calibri"/>
-              </a:rPr>
-              <a:t>SVN. </a:t>
+              <a:t> from repo </a:t>
             </a:r>
             <a:endParaRPr lang="en-US" sz="1800" b="0" strike="noStrike" spc="-1" dirty="0">
               <a:solidFill>
@@ -10823,18 +10821,13 @@
           <a:lstStyle/>
           <a:p>
             <a:r>
-              <a:rPr lang="en-US" sz="2800" dirty="0" smtClean="0">
+              <a:rPr lang="en-US" sz="2800" dirty="0">
                 <a:solidFill>
                   <a:srgbClr val="FF0000"/>
                 </a:solidFill>
               </a:rPr>
               <a:t>X</a:t>
             </a:r>
-            <a:endParaRPr lang="en-US" sz="2800" dirty="0">
-              <a:solidFill>
-                <a:srgbClr val="FF0000"/>
-              </a:solidFill>
-            </a:endParaRPr>
           </a:p>
         </p:txBody>
       </p:sp>
@@ -10861,18 +10854,13 @@
           <a:lstStyle/>
           <a:p>
             <a:r>
-              <a:rPr lang="en-US" sz="2800" dirty="0" smtClean="0">
+              <a:rPr lang="en-US" sz="2800" dirty="0">
                 <a:solidFill>
                   <a:srgbClr val="FF0000"/>
                 </a:solidFill>
               </a:rPr>
               <a:t>X</a:t>
             </a:r>
-            <a:endParaRPr lang="en-US" sz="2800" dirty="0">
-              <a:solidFill>
-                <a:srgbClr val="FF0000"/>
-              </a:solidFill>
-            </a:endParaRPr>
           </a:p>
         </p:txBody>
       </p:sp>
@@ -10932,18 +10920,13 @@
           <a:lstStyle/>
           <a:p>
             <a:r>
-              <a:rPr lang="en-US" sz="2800" dirty="0" smtClean="0">
+              <a:rPr lang="en-US" sz="2800" dirty="0">
                 <a:solidFill>
                   <a:srgbClr val="FF0000"/>
                 </a:solidFill>
               </a:rPr>
               <a:t>X</a:t>
             </a:r>
-            <a:endParaRPr lang="en-US" sz="2800" dirty="0">
-              <a:solidFill>
-                <a:srgbClr val="FF0000"/>
-              </a:solidFill>
-            </a:endParaRPr>
           </a:p>
         </p:txBody>
       </p:sp>
@@ -10970,18 +10953,13 @@
           <a:lstStyle/>
           <a:p>
             <a:r>
-              <a:rPr lang="en-US" sz="2800" dirty="0" smtClean="0">
+              <a:rPr lang="en-US" sz="2800" dirty="0">
                 <a:solidFill>
                   <a:srgbClr val="FF0000"/>
                 </a:solidFill>
               </a:rPr>
               <a:t>XX</a:t>
             </a:r>
-            <a:endParaRPr lang="en-US" sz="2800" dirty="0">
-              <a:solidFill>
-                <a:srgbClr val="FF0000"/>
-              </a:solidFill>
-            </a:endParaRPr>
           </a:p>
         </p:txBody>
       </p:sp>
@@ -11008,18 +10986,13 @@
           <a:lstStyle/>
           <a:p>
             <a:r>
-              <a:rPr lang="en-US" sz="2800" dirty="0" smtClean="0">
+              <a:rPr lang="en-US" sz="2800" dirty="0">
                 <a:solidFill>
                   <a:srgbClr val="FF0000"/>
                 </a:solidFill>
               </a:rPr>
               <a:t>XX</a:t>
             </a:r>
-            <a:endParaRPr lang="en-US" sz="2800" dirty="0">
-              <a:solidFill>
-                <a:srgbClr val="FF0000"/>
-              </a:solidFill>
-            </a:endParaRPr>
           </a:p>
         </p:txBody>
       </p:sp>
@@ -11103,18 +11076,13 @@
           <a:lstStyle/>
           <a:p>
             <a:r>
-              <a:rPr lang="en-US" sz="2800" dirty="0" smtClean="0">
+              <a:rPr lang="en-US" sz="2800" dirty="0">
                 <a:solidFill>
                   <a:srgbClr val="FF0000"/>
                 </a:solidFill>
               </a:rPr>
               <a:t>XX</a:t>
             </a:r>
-            <a:endParaRPr lang="en-US" sz="2800" dirty="0">
-              <a:solidFill>
-                <a:srgbClr val="FF0000"/>
-              </a:solidFill>
-            </a:endParaRPr>
           </a:p>
         </p:txBody>
       </p:sp>
@@ -13136,10 +13104,9 @@
           <a:lstStyle/>
           <a:p>
             <a:r>
-              <a:rPr lang="en-US" dirty="0" smtClean="0"/>
+              <a:rPr lang="en-US" dirty="0"/>
               <a:t>Graphics Debugging</a:t>
             </a:r>
-            <a:endParaRPr lang="en-US" dirty="0"/>
           </a:p>
         </p:txBody>
       </p:sp>
@@ -13159,46 +13126,45 @@
           <a:lstStyle/>
           <a:p>
             <a:r>
-              <a:rPr lang="en-US" dirty="0" smtClean="0"/>
+              <a:rPr lang="en-US" dirty="0"/>
               <a:t>Test each step as you go!</a:t>
             </a:r>
           </a:p>
           <a:p>
             <a:r>
-              <a:rPr lang="en-US" dirty="0" smtClean="0"/>
+              <a:rPr lang="en-US" dirty="0"/>
               <a:t>First make sure you get something visible</a:t>
             </a:r>
           </a:p>
           <a:p>
             <a:r>
-              <a:rPr lang="en-US" dirty="0" smtClean="0"/>
+              <a:rPr lang="en-US" dirty="0"/>
               <a:t>1. translate</a:t>
             </a:r>
           </a:p>
           <a:p>
             <a:r>
-              <a:rPr lang="en-US" dirty="0" smtClean="0"/>
+              <a:rPr lang="en-US" dirty="0"/>
               <a:t>2. rotate </a:t>
             </a:r>
           </a:p>
           <a:p>
             <a:r>
-              <a:rPr lang="en-US" dirty="0" smtClean="0"/>
+              <a:rPr lang="en-US" dirty="0"/>
               <a:t>3. draw</a:t>
             </a:r>
           </a:p>
           <a:p>
             <a:r>
-              <a:rPr lang="en-US" dirty="0" smtClean="0"/>
+              <a:rPr lang="en-US" dirty="0"/>
               <a:t>4. un-rotate</a:t>
             </a:r>
           </a:p>
           <a:p>
             <a:r>
-              <a:rPr lang="en-US" dirty="0" smtClean="0"/>
+              <a:rPr lang="en-US" dirty="0"/>
               <a:t>5. un-translate</a:t>
             </a:r>
-            <a:endParaRPr lang="en-US" dirty="0"/>
           </a:p>
           <a:p>
             <a:endParaRPr lang="en-US" dirty="0"/>
@@ -13215,21 +13181,6 @@
   <p:clrMapOvr>
     <a:masterClrMapping/>
   </p:clrMapOvr>
-  <mc:AlternateContent xmlns:mc="http://schemas.openxmlformats.org/markup-compatibility/2006" xmlns:p14="http://schemas.microsoft.com/office/powerpoint/2010/main">
-    <mc:Choice Requires="p14">
-      <p:transition spd="slow" p14:dur="2000"/>
-    </mc:Choice>
-    <mc:Fallback xmlns="">
-      <p:transition spd="slow"/>
-    </mc:Fallback>
-  </mc:AlternateContent>
-  <p:timing>
-    <p:tnLst>
-      <p:par>
-        <p:cTn id="1" dur="indefinite" restart="never" nodeType="tmRoot"/>
-      </p:par>
-    </p:tnLst>
-  </p:timing>
 </p:sld>
 </file>
 
@@ -13515,33 +13466,8 @@
                 </a:uFill>
                 <a:latin typeface="Calibri"/>
               </a:rPr>
-              <a:t>Exam </a:t>
-            </a:r>
-            <a:r>
-              <a:rPr lang="en-US" sz="3200" b="0" strike="noStrike" spc="-1" dirty="0" smtClean="0">
-                <a:solidFill>
-                  <a:srgbClr val="000000"/>
-                </a:solidFill>
-                <a:uFill>
-                  <a:solidFill>
-                    <a:srgbClr val="FFFFFF"/>
-                  </a:solidFill>
-                </a:uFill>
-                <a:latin typeface="Calibri"/>
-              </a:rPr>
-              <a:t>1 next week</a:t>
-            </a:r>
-            <a:endParaRPr lang="en-US" sz="3200" b="0" strike="noStrike" spc="-1" dirty="0">
-              <a:solidFill>
-                <a:srgbClr val="000000"/>
-              </a:solidFill>
-              <a:uFill>
-                <a:solidFill>
-                  <a:srgbClr val="FFFFFF"/>
-                </a:solidFill>
-              </a:uFill>
-              <a:latin typeface="Calibri"/>
-            </a:endParaRPr>
+              <a:t>Exam 1 next week</a:t>
+            </a:r>
           </a:p>
           <a:p>
             <a:pPr marL="343080" indent="-342720">
@@ -13592,33 +13518,8 @@
                 </a:uFill>
                 <a:latin typeface="Calibri"/>
               </a:rPr>
-              <a:t>Before </a:t>
-            </a:r>
-            <a:r>
-              <a:rPr lang="en-US" sz="3200" b="0" strike="noStrike" spc="-1" dirty="0" smtClean="0">
-                <a:solidFill>
-                  <a:srgbClr val="000000"/>
-                </a:solidFill>
-                <a:uFill>
-                  <a:solidFill>
-                    <a:srgbClr val="FFFFFF"/>
-                  </a:solidFill>
-                </a:uFill>
-                <a:latin typeface="Calibri"/>
-              </a:rPr>
-              <a:t>next class</a:t>
-            </a:r>
-            <a:endParaRPr lang="en-US" sz="3200" b="0" strike="noStrike" spc="-1" dirty="0">
-              <a:solidFill>
-                <a:srgbClr val="000000"/>
-              </a:solidFill>
-              <a:uFill>
-                <a:solidFill>
-                  <a:srgbClr val="FFFFFF"/>
-                </a:solidFill>
-              </a:uFill>
-              <a:latin typeface="Calibri"/>
-            </a:endParaRPr>
+              <a:t>Before next class</a:t>
+            </a:r>
           </a:p>
           <a:p>
             <a:pPr marL="743040" lvl="1" indent="-285480">
@@ -13632,7 +13533,7 @@
               <a:buChar char="–"/>
             </a:pPr>
             <a:r>
-              <a:rPr lang="en-US" sz="2800" b="0" strike="noStrike" spc="-1" dirty="0" smtClean="0">
+              <a:rPr lang="en-US" sz="2800" b="0" strike="noStrike" spc="-1" dirty="0">
                 <a:solidFill>
                   <a:srgbClr val="000000"/>
                 </a:solidFill>
@@ -13643,49 +13544,7 @@
                 </a:uFill>
                 <a:latin typeface="Calibri"/>
               </a:rPr>
-              <a:t>Complete </a:t>
-            </a:r>
-            <a:r>
-              <a:rPr lang="en-US" sz="2800" b="0" strike="noStrike" spc="-1" dirty="0">
-                <a:solidFill>
-                  <a:srgbClr val="000000"/>
-                </a:solidFill>
-                <a:uFill>
-                  <a:solidFill>
-                    <a:srgbClr val="FFFFFF"/>
-                  </a:solidFill>
-                </a:uFill>
-                <a:latin typeface="Calibri"/>
-              </a:rPr>
-              <a:t>the written portion of the </a:t>
-            </a:r>
-            <a:r>
-              <a:rPr lang="en-US" sz="2800" b="0" strike="noStrike" spc="-1" dirty="0" smtClean="0">
-                <a:solidFill>
-                  <a:srgbClr val="000000"/>
-                </a:solidFill>
-                <a:uFill>
-                  <a:solidFill>
-                    <a:srgbClr val="FFFFFF"/>
-                  </a:solidFill>
-                </a:uFill>
-                <a:latin typeface="Calibri"/>
-              </a:rPr>
-              <a:t>201510 </a:t>
-            </a:r>
-            <a:r>
-              <a:rPr lang="en-US" sz="2800" b="0" strike="noStrike" spc="-1" dirty="0">
-                <a:solidFill>
-                  <a:srgbClr val="000000"/>
-                </a:solidFill>
-                <a:uFill>
-                  <a:solidFill>
-                    <a:srgbClr val="FFFFFF"/>
-                  </a:solidFill>
-                </a:uFill>
-                <a:latin typeface="Calibri"/>
-              </a:rPr>
-              <a:t>written exam (provided on the schedule page)</a:t>
+              <a:t>Complete the written portion of the 201510 written exam (provided on the schedule page)</a:t>
             </a:r>
             <a:endParaRPr lang="en-US" sz="2400" b="0" strike="noStrike" spc="-1" dirty="0">
               <a:solidFill>
@@ -13722,21 +13581,7 @@
                 </a:uFill>
                 <a:latin typeface="Calibri"/>
               </a:rPr>
-              <a:t>Bring any questions you have to </a:t>
-            </a:r>
-            <a:r>
-              <a:rPr lang="en-US" sz="2800" b="0" strike="noStrike" spc="-1" dirty="0" smtClean="0">
-                <a:solidFill>
-                  <a:srgbClr val="000000"/>
-                </a:solidFill>
-                <a:uFill>
-                  <a:solidFill>
-                    <a:srgbClr val="FFFFFF"/>
-                  </a:solidFill>
-                </a:uFill>
-                <a:latin typeface="Calibri"/>
-              </a:rPr>
-              <a:t>class</a:t>
+              <a:t>Bring any questions you have to class</a:t>
             </a:r>
             <a:endParaRPr lang="en-US" sz="2400" b="0" strike="noStrike" spc="-1" dirty="0">
               <a:solidFill>
@@ -14697,10 +14542,10 @@
                 </a:uFill>
                 <a:latin typeface="Consolas"/>
               </a:rPr>
-              <a:t> </a:t>
-            </a:r>
-            <a:r>
-              <a:rPr lang="en-US" spc="-1" dirty="0" smtClean="0">
+              <a:t>    </a:t>
+            </a:r>
+            <a:r>
+              <a:rPr lang="en-US" sz="1800" b="0" strike="noStrike" spc="-1" dirty="0" err="1">
                 <a:solidFill>
                   <a:srgbClr val="000000"/>
                 </a:solidFill>
@@ -14711,10 +14556,10 @@
                 </a:uFill>
                 <a:latin typeface="Consolas"/>
               </a:rPr>
-              <a:t>   </a:t>
-            </a:r>
-            <a:r>
-              <a:rPr lang="en-US" sz="1800" b="0" strike="noStrike" spc="-1" dirty="0" err="1" smtClean="0">
+              <a:t>JFrame</a:t>
+            </a:r>
+            <a:r>
+              <a:rPr lang="en-US" sz="1800" b="0" strike="noStrike" spc="-1" dirty="0">
                 <a:solidFill>
                   <a:srgbClr val="000000"/>
                 </a:solidFill>
@@ -14725,35 +14570,7 @@
                 </a:uFill>
                 <a:latin typeface="Consolas"/>
               </a:rPr>
-              <a:t>JFrame</a:t>
-            </a:r>
-            <a:r>
-              <a:rPr lang="en-US" sz="1800" b="0" strike="noStrike" spc="-1" dirty="0" smtClean="0">
-                <a:solidFill>
-                  <a:srgbClr val="000000"/>
-                </a:solidFill>
-                <a:uFill>
-                  <a:solidFill>
-                    <a:srgbClr val="FFFFFF"/>
-                  </a:solidFill>
-                </a:uFill>
-                <a:latin typeface="Consolas"/>
-              </a:rPr>
-              <a:t> </a:t>
-            </a:r>
-            <a:r>
-              <a:rPr lang="en-US" sz="1800" b="0" strike="noStrike" spc="-1" dirty="0">
-                <a:solidFill>
-                  <a:srgbClr val="000000"/>
-                </a:solidFill>
-                <a:uFill>
-                  <a:solidFill>
-                    <a:srgbClr val="FFFFFF"/>
-                  </a:solidFill>
-                </a:uFill>
-                <a:latin typeface="Consolas"/>
-              </a:rPr>
-              <a:t>frame = </a:t>
+              <a:t> frame = </a:t>
             </a:r>
             <a:r>
               <a:rPr lang="en-US" sz="1800" b="0" strike="noStrike" spc="-1" dirty="0">
@@ -14830,10 +14647,10 @@
                 </a:uFill>
                 <a:latin typeface="Consolas"/>
               </a:rPr>
-              <a:t>	</a:t>
-            </a:r>
-            <a:r>
-              <a:rPr lang="en-US" sz="1800" b="0" strike="noStrike" spc="-1" dirty="0" smtClean="0">
+              <a:t>	    </a:t>
+            </a:r>
+            <a:r>
+              <a:rPr lang="en-US" sz="1800" b="0" strike="noStrike" spc="-1" dirty="0" err="1">
                 <a:solidFill>
                   <a:srgbClr val="000000"/>
                 </a:solidFill>
@@ -14844,10 +14661,10 @@
                 </a:uFill>
                 <a:latin typeface="Consolas"/>
               </a:rPr>
-              <a:t>    </a:t>
-            </a:r>
-            <a:r>
-              <a:rPr lang="en-US" sz="1800" b="0" strike="noStrike" spc="-1" dirty="0" err="1" smtClean="0">
+              <a:t>frame.setSize</a:t>
+            </a:r>
+            <a:r>
+              <a:rPr lang="en-US" sz="1800" b="0" strike="noStrike" spc="-1" dirty="0">
                 <a:solidFill>
                   <a:srgbClr val="000000"/>
                 </a:solidFill>
@@ -14858,35 +14675,7 @@
                 </a:uFill>
                 <a:latin typeface="Consolas"/>
               </a:rPr>
-              <a:t>frame.setSize</a:t>
-            </a:r>
-            <a:r>
-              <a:rPr lang="en-US" sz="1800" b="0" strike="noStrike" spc="-1" dirty="0" smtClean="0">
-                <a:solidFill>
-                  <a:srgbClr val="000000"/>
-                </a:solidFill>
-                <a:uFill>
-                  <a:solidFill>
-                    <a:srgbClr val="FFFFFF"/>
-                  </a:solidFill>
-                </a:uFill>
-                <a:latin typeface="Consolas"/>
-              </a:rPr>
-              <a:t>(300,400</a:t>
-            </a:r>
-            <a:r>
-              <a:rPr lang="en-US" sz="1800" b="0" strike="noStrike" spc="-1" dirty="0">
-                <a:solidFill>
-                  <a:srgbClr val="000000"/>
-                </a:solidFill>
-                <a:uFill>
-                  <a:solidFill>
-                    <a:srgbClr val="FFFFFF"/>
-                  </a:solidFill>
-                </a:uFill>
-                <a:latin typeface="Consolas"/>
-              </a:rPr>
-              <a:t>);</a:t>
+              <a:t>(300,400);</a:t>
             </a:r>
           </a:p>
           <a:p>
@@ -14907,10 +14696,10 @@
                 </a:uFill>
                 <a:latin typeface="Consolas"/>
               </a:rPr>
-              <a:t>	</a:t>
-            </a:r>
-            <a:r>
-              <a:rPr lang="en-US" sz="1800" b="0" strike="noStrike" spc="-1" dirty="0" smtClean="0">
+              <a:t>	    </a:t>
+            </a:r>
+            <a:r>
+              <a:rPr lang="en-US" sz="1800" b="0" strike="noStrike" spc="-1" dirty="0" err="1">
                 <a:solidFill>
                   <a:srgbClr val="000000"/>
                 </a:solidFill>
@@ -14921,10 +14710,10 @@
                 </a:uFill>
                 <a:latin typeface="Consolas"/>
               </a:rPr>
-              <a:t>    </a:t>
-            </a:r>
-            <a:r>
-              <a:rPr lang="en-US" sz="1800" b="0" strike="noStrike" spc="-1" dirty="0" err="1" smtClean="0">
+              <a:t>frame.setTitle</a:t>
+            </a:r>
+            <a:r>
+              <a:rPr lang="en-US" sz="1800" b="0" strike="noStrike" spc="-1" dirty="0">
                 <a:solidFill>
                   <a:srgbClr val="000000"/>
                 </a:solidFill>
@@ -14935,35 +14724,7 @@
                 </a:uFill>
                 <a:latin typeface="Consolas"/>
               </a:rPr>
-              <a:t>frame.setTitle</a:t>
-            </a:r>
-            <a:r>
-              <a:rPr lang="en-US" sz="1800" b="0" strike="noStrike" spc="-1" dirty="0">
-                <a:solidFill>
-                  <a:srgbClr val="000000"/>
-                </a:solidFill>
-                <a:uFill>
-                  <a:solidFill>
-                    <a:srgbClr val="FFFFFF"/>
-                  </a:solidFill>
-                </a:uFill>
-                <a:latin typeface="Consolas"/>
-              </a:rPr>
-              <a:t>("An Empty Frame</a:t>
-            </a:r>
-            <a:r>
-              <a:rPr lang="en-US" sz="1800" b="0" strike="noStrike" spc="-1" dirty="0" smtClean="0">
-                <a:solidFill>
-                  <a:srgbClr val="000000"/>
-                </a:solidFill>
-                <a:uFill>
-                  <a:solidFill>
-                    <a:srgbClr val="FFFFFF"/>
-                  </a:solidFill>
-                </a:uFill>
-                <a:latin typeface="Consolas"/>
-              </a:rPr>
-              <a:t>");</a:t>
+              <a:t>("An Empty Frame");</a:t>
             </a:r>
           </a:p>
           <a:p>
@@ -14984,10 +14745,10 @@
                 </a:uFill>
                 <a:latin typeface="Consolas"/>
               </a:rPr>
-              <a:t>	</a:t>
-            </a:r>
-            <a:r>
-              <a:rPr lang="en-US" spc="-1" dirty="0" smtClean="0">
+              <a:t>	    </a:t>
+            </a:r>
+            <a:r>
+              <a:rPr lang="en-US" sz="1800" b="0" strike="noStrike" spc="-1" dirty="0" err="1">
                 <a:solidFill>
                   <a:srgbClr val="000000"/>
                 </a:solidFill>
@@ -14998,10 +14759,10 @@
                 </a:uFill>
                 <a:latin typeface="Consolas"/>
               </a:rPr>
-              <a:t>    </a:t>
-            </a:r>
-            <a:r>
-              <a:rPr lang="en-US" sz="1800" b="0" strike="noStrike" spc="-1" dirty="0" err="1" smtClean="0">
+              <a:t>frame.setDefaultCloseOperation</a:t>
+            </a:r>
+            <a:r>
+              <a:rPr lang="en-US" sz="1800" b="0" strike="noStrike" spc="-1" dirty="0">
                 <a:solidFill>
                   <a:srgbClr val="000000"/>
                 </a:solidFill>
@@ -15012,24 +14773,10 @@
                 </a:uFill>
                 <a:latin typeface="Consolas"/>
               </a:rPr>
-              <a:t>frame.setDefaultCloseOperation</a:t>
-            </a:r>
-            <a:r>
-              <a:rPr lang="en-US" sz="1800" b="0" strike="noStrike" spc="-1" dirty="0" smtClean="0">
-                <a:solidFill>
-                  <a:srgbClr val="000000"/>
-                </a:solidFill>
-                <a:uFill>
-                  <a:solidFill>
-                    <a:srgbClr val="FFFFFF"/>
-                  </a:solidFill>
-                </a:uFill>
-                <a:latin typeface="Consolas"/>
-              </a:rPr>
               <a:t>(</a:t>
             </a:r>
             <a:r>
-              <a:rPr lang="en-US" sz="1800" b="0" strike="noStrike" spc="-1" dirty="0" err="1" smtClean="0">
+              <a:rPr lang="en-US" sz="1800" b="0" strike="noStrike" spc="-1" dirty="0" err="1">
                 <a:solidFill>
                   <a:srgbClr val="000000"/>
                 </a:solidFill>
@@ -15075,10 +14822,10 @@
                 </a:uFill>
                 <a:latin typeface="Consolas"/>
               </a:rPr>
-              <a:t>	</a:t>
-            </a:r>
-            <a:r>
-              <a:rPr lang="en-US" sz="1800" b="0" strike="noStrike" spc="-1" dirty="0" smtClean="0">
+              <a:t>	    </a:t>
+            </a:r>
+            <a:r>
+              <a:rPr lang="en-US" sz="1800" b="0" strike="noStrike" spc="-1" dirty="0" err="1">
                 <a:solidFill>
                   <a:srgbClr val="000000"/>
                 </a:solidFill>
@@ -15089,10 +14836,10 @@
                 </a:uFill>
                 <a:latin typeface="Consolas"/>
               </a:rPr>
-              <a:t>    </a:t>
-            </a:r>
-            <a:r>
-              <a:rPr lang="en-US" sz="1800" b="0" strike="noStrike" spc="-1" dirty="0" err="1" smtClean="0">
+              <a:t>frame.setVisible</a:t>
+            </a:r>
+            <a:r>
+              <a:rPr lang="en-US" sz="1800" b="0" strike="noStrike" spc="-1" dirty="0">
                 <a:solidFill>
                   <a:srgbClr val="000000"/>
                 </a:solidFill>
@@ -15103,24 +14850,10 @@
                 </a:uFill>
                 <a:latin typeface="Consolas"/>
               </a:rPr>
-              <a:t>frame.setVisible</a:t>
-            </a:r>
-            <a:r>
-              <a:rPr lang="en-US" sz="1800" b="0" strike="noStrike" spc="-1" dirty="0" smtClean="0">
-                <a:solidFill>
-                  <a:srgbClr val="000000"/>
-                </a:solidFill>
-                <a:uFill>
-                  <a:solidFill>
-                    <a:srgbClr val="FFFFFF"/>
-                  </a:solidFill>
-                </a:uFill>
-                <a:latin typeface="Consolas"/>
-              </a:rPr>
               <a:t>(</a:t>
             </a:r>
             <a:r>
-              <a:rPr lang="en-US" sz="1800" b="0" strike="noStrike" spc="-1" dirty="0" smtClean="0">
+              <a:rPr lang="en-US" sz="1800" b="0" strike="noStrike" spc="-1" dirty="0">
                 <a:solidFill>
                   <a:srgbClr val="EB641B"/>
                 </a:solidFill>
@@ -16544,10 +16277,9 @@
               <a:buNone/>
             </a:pPr>
             <a:r>
-              <a:rPr lang="en-US" dirty="0" smtClean="0"/>
+              <a:rPr lang="en-US" dirty="0"/>
               <a:t>How to draw a shape at different positions?</a:t>
             </a:r>
-            <a:endParaRPr lang="en-US" dirty="0"/>
           </a:p>
         </p:txBody>
       </p:sp>
@@ -16801,13 +16533,6 @@
   <p:clrMapOvr>
     <a:masterClrMapping/>
   </p:clrMapOvr>
-  <p:timing>
-    <p:tnLst>
-      <p:par>
-        <p:cTn id="1" dur="indefinite" restart="never" nodeType="tmRoot"/>
-      </p:par>
-    </p:tnLst>
-  </p:timing>
 </p:sld>
 </file>
 
@@ -16852,10 +16577,9 @@
               <a:buNone/>
             </a:pPr>
             <a:r>
-              <a:rPr lang="en-US" dirty="0" smtClean="0"/>
+              <a:rPr lang="en-US" dirty="0"/>
               <a:t>How to draw a rotated shape?</a:t>
             </a:r>
-            <a:endParaRPr lang="en-US" dirty="0"/>
           </a:p>
         </p:txBody>
       </p:sp>
@@ -16989,13 +16713,6 @@
   <p:clrMapOvr>
     <a:masterClrMapping/>
   </p:clrMapOvr>
-  <p:timing>
-    <p:tnLst>
-      <p:par>
-        <p:cTn id="1" dur="indefinite" restart="never" nodeType="tmRoot"/>
-      </p:par>
-    </p:tnLst>
-  </p:timing>
 </p:sld>
 </file>
 

--- a/ClassMaterials/IntroToGraphics/Slides/Graphics.pptx
+++ b/ClassMaterials/IntroToGraphics/Slides/Graphics.pptx
@@ -4830,7 +4830,7 @@
               <a:pPr>
                 <a:defRPr/>
               </a:pPr>
-              <a:t>Thursday, September 13, 2018</a:t>
+              <a:t>Wednesday, March 11, 2020</a:t>
             </a:fld>
             <a:endParaRPr lang="en-US" dirty="0"/>
           </a:p>
@@ -13181,6 +13181,14 @@
   <p:clrMapOvr>
     <a:masterClrMapping/>
   </p:clrMapOvr>
+  <mc:AlternateContent xmlns:mc="http://schemas.openxmlformats.org/markup-compatibility/2006">
+    <mc:Choice xmlns:p14="http://schemas.microsoft.com/office/powerpoint/2010/main" Requires="p14">
+      <p:transition spd="slow" p14:dur="2000"/>
+    </mc:Choice>
+    <mc:Fallback>
+      <p:transition spd="slow"/>
+    </mc:Fallback>
+  </mc:AlternateContent>
 </p:sld>
 </file>
 
@@ -13310,6 +13318,74 @@
               </a:uFill>
               <a:latin typeface="Calibri"/>
             </a:endParaRPr>
+          </a:p>
+        </p:txBody>
+      </p:sp>
+      <p:sp>
+        <p:nvSpPr>
+          <p:cNvPr id="3" name="TextBox 2"/>
+          <p:cNvSpPr txBox="1"/>
+          <p:nvPr/>
+        </p:nvSpPr>
+        <p:spPr>
+          <a:xfrm>
+            <a:off x="722160" y="927100"/>
+            <a:ext cx="7024840" cy="2554545"/>
+          </a:xfrm>
+          <a:prstGeom prst="rect">
+            <a:avLst/>
+          </a:prstGeom>
+          <a:noFill/>
+        </p:spPr>
+        <p:txBody>
+          <a:bodyPr wrap="square" rtlCol="0">
+            <a:spAutoFit/>
+          </a:bodyPr>
+          <a:lstStyle/>
+          <a:p>
+            <a:pPr algn="ctr"/>
+            <a:r>
+              <a:rPr lang="en-US" sz="3200" b="1" i="1" dirty="0" smtClean="0">
+                <a:solidFill>
+                  <a:srgbClr val="FF0000"/>
+                </a:solidFill>
+              </a:rPr>
+              <a:t>Warning: </a:t>
+            </a:r>
+            <a:r>
+              <a:rPr lang="en-US" sz="3200" i="1" dirty="0" smtClean="0"/>
+              <a:t>JavaFX </a:t>
+            </a:r>
+            <a:r>
+              <a:rPr lang="en-US" sz="3200" i="1" dirty="0"/>
+              <a:t>is </a:t>
+            </a:r>
+          </a:p>
+          <a:p>
+            <a:pPr algn="ctr"/>
+            <a:r>
+              <a:rPr lang="en-US" sz="3200" i="1" dirty="0"/>
+              <a:t>not taught in CSSE220</a:t>
+            </a:r>
+          </a:p>
+          <a:p>
+            <a:pPr algn="ctr"/>
+            <a:r>
+              <a:rPr lang="en-US" sz="3200" i="1" dirty="0"/>
+              <a:t>and you will </a:t>
+            </a:r>
+            <a:r>
+              <a:rPr lang="en-US" sz="3200" b="1" i="1" u="sng" dirty="0"/>
+              <a:t>not</a:t>
+            </a:r>
+            <a:r>
+              <a:rPr lang="en-US" sz="3200" i="1" dirty="0"/>
+              <a:t> receive credit for solutions produced using it</a:t>
+            </a:r>
+          </a:p>
+          <a:p>
+            <a:pPr algn="ctr"/>
+            <a:endParaRPr lang="en-US" sz="3200" b="1" dirty="0"/>
           </a:p>
         </p:txBody>
       </p:sp>

--- a/ClassMaterials/IntroToGraphics/Slides/Graphics.pptx
+++ b/ClassMaterials/IntroToGraphics/Slides/Graphics.pptx
@@ -5191,7 +5191,7 @@
               <a:pPr>
                 <a:defRPr/>
               </a:pPr>
-              <a:t>Tuesday, March 24, 2020</a:t>
+              <a:t>Thursday, February 24, 2022</a:t>
             </a:fld>
             <a:endParaRPr lang="en-US" dirty="0"/>
           </a:p>
@@ -10194,21 +10194,27 @@
       </p:sp>
       <p:sp>
         <p:nvSpPr>
-          <p:cNvPr id="124" name="CustomShape 3"/>
+          <p:cNvPr id="5" name="Rectangle 4">
+            <a:extLst>
+              <a:ext uri="{FF2B5EF4-FFF2-40B4-BE49-F238E27FC236}">
+                <a16:creationId xmlns:a16="http://schemas.microsoft.com/office/drawing/2014/main" id="{910CDCD5-1F47-FB4A-92ED-49A403429AF3}"/>
+              </a:ext>
+            </a:extLst>
+          </p:cNvPr>
           <p:cNvSpPr/>
           <p:nvPr/>
         </p:nvSpPr>
         <p:spPr>
           <a:xfrm>
-            <a:off x="228600" y="6095880"/>
-            <a:ext cx="8534160" cy="609120"/>
-          </a:xfrm>
-          <a:prstGeom prst="rect">
-            <a:avLst/>
-          </a:prstGeom>
-          <a:ln>
-            <a:round/>
-          </a:ln>
+            <a:off x="304620" y="5185401"/>
+            <a:ext cx="8534400" cy="1295400"/>
+          </a:xfrm>
+          <a:prstGeom prst="rect">
+            <a:avLst/>
+          </a:prstGeom>
+          <a:solidFill>
+            <a:schemeClr val="accent3"/>
+          </a:solidFill>
         </p:spPr>
         <p:style>
           <a:lnRef idx="2">
@@ -10222,84 +10228,60 @@
           <a:effectRef idx="0">
             <a:schemeClr val="accent3"/>
           </a:effectRef>
-          <a:fontRef idx="minor"/>
+          <a:fontRef idx="minor">
+            <a:schemeClr val="lt1"/>
+          </a:fontRef>
         </p:style>
         <p:txBody>
-          <a:bodyPr lIns="90000" tIns="45000" rIns="90000" bIns="45000" anchor="ctr"/>
-          <a:lstStyle/>
-          <a:p>
-            <a:pPr algn="ctr">
-              <a:lnSpc>
-                <a:spcPct val="100000"/>
-              </a:lnSpc>
+          <a:bodyPr rtlCol="0" anchor="ctr"/>
+          <a:lstStyle/>
+          <a:p>
+            <a:r>
+              <a:rPr lang="en-US" sz="2400" dirty="0">
+                <a:solidFill>
+                  <a:srgbClr val="FFFFFF"/>
+                </a:solidFill>
+              </a:rPr>
+              <a:t>The </a:t>
+            </a:r>
+            <a:r>
+              <a:rPr lang="en-US" sz="2400" i="1" dirty="0">
+                <a:solidFill>
+                  <a:srgbClr val="FFFFFF"/>
+                </a:solidFill>
+              </a:rPr>
+              <a:t>git</a:t>
+            </a:r>
+            <a:r>
+              <a:rPr lang="en-US" sz="2400" dirty="0">
+                <a:solidFill>
+                  <a:srgbClr val="FFFFFF"/>
+                </a:solidFill>
+              </a:rPr>
+              <a:t> projects for today are:</a:t>
+            </a:r>
+          </a:p>
+          <a:p>
+            <a:pPr marL="342900" indent="-342900">
+              <a:buFont typeface="Arial" panose="020B0604020202020204" pitchFamily="34" charset="0"/>
+              <a:buChar char="•"/>
             </a:pPr>
             <a:r>
-              <a:rPr lang="en-US" sz="2400" spc="-1" dirty="0">
-                <a:solidFill>
-                  <a:srgbClr val="FFFFFF"/>
-                </a:solidFill>
-                <a:uFill>
-                  <a:solidFill>
-                    <a:srgbClr val="FFFFFF"/>
-                  </a:solidFill>
-                </a:uFill>
-                <a:latin typeface="Calibri"/>
-              </a:rPr>
-              <a:t>Import</a:t>
-            </a:r>
-            <a:r>
-              <a:rPr lang="en-US" sz="2400" b="0" strike="noStrike" spc="-1" dirty="0">
-                <a:solidFill>
-                  <a:srgbClr val="FFFFFF"/>
-                </a:solidFill>
-                <a:uFill>
-                  <a:solidFill>
-                    <a:srgbClr val="FFFFFF"/>
-                  </a:solidFill>
-                </a:uFill>
-                <a:latin typeface="Calibri"/>
-              </a:rPr>
-              <a:t> </a:t>
-            </a:r>
-            <a:r>
-              <a:rPr lang="en-US" sz="2400" b="0" strike="noStrike" spc="-1" dirty="0" err="1">
-                <a:solidFill>
-                  <a:srgbClr val="FFFFFF"/>
-                </a:solidFill>
-                <a:uFill>
-                  <a:solidFill>
-                    <a:srgbClr val="FFFFFF"/>
-                  </a:solidFill>
-                </a:uFill>
-                <a:latin typeface="Calibri"/>
-              </a:rPr>
-              <a:t>IntroToJavaGraphics</a:t>
-            </a:r>
-            <a:r>
-              <a:rPr lang="en-US" sz="2400" b="0" strike="noStrike" spc="-1">
-                <a:solidFill>
-                  <a:srgbClr val="FFFFFF"/>
-                </a:solidFill>
-                <a:uFill>
-                  <a:solidFill>
-                    <a:srgbClr val="FFFFFF"/>
-                  </a:solidFill>
-                </a:uFill>
-                <a:latin typeface="Calibri"/>
-              </a:rPr>
-              <a:t> from repo </a:t>
-            </a:r>
-            <a:endParaRPr lang="en-US" sz="1800" b="0" strike="noStrike" spc="-1" dirty="0">
-              <a:solidFill>
-                <a:srgbClr val="000000"/>
-              </a:solidFill>
-              <a:uFill>
-                <a:solidFill>
-                  <a:srgbClr val="FFFFFF"/>
-                </a:solidFill>
-              </a:uFill>
-              <a:latin typeface="Arial"/>
-            </a:endParaRPr>
+              <a:rPr lang="en-US" sz="2400" i="1" dirty="0" err="1"/>
+              <a:t>PracticeIntroToJavaGraphics</a:t>
+            </a:r>
+            <a:endParaRPr lang="en-US" sz="2400" i="1" dirty="0"/>
+          </a:p>
+          <a:p>
+            <a:pPr marL="342900" indent="-342900">
+              <a:buFont typeface="Arial" panose="020B0604020202020204" pitchFamily="34" charset="0"/>
+              <a:buChar char="•"/>
+            </a:pPr>
+            <a:r>
+              <a:rPr lang="en-US" sz="2400" i="1" dirty="0" err="1"/>
+              <a:t>PracticeIntroToJavaGraphicsSolution</a:t>
+            </a:r>
+            <a:endParaRPr lang="en-US" sz="2400" i="1" dirty="0"/>
           </a:p>
         </p:txBody>
       </p:sp>
@@ -11638,13 +11620,6 @@
   <p:clrMapOvr>
     <a:masterClrMapping/>
   </p:clrMapOvr>
-  <p:timing>
-    <p:tnLst>
-      <p:par>
-        <p:cTn id="1" dur="indefinite" restart="never" nodeType="tmRoot"/>
-      </p:par>
-    </p:tnLst>
-  </p:timing>
 </p:sld>
 </file>
 
@@ -11682,13 +11657,8 @@
           <a:p>
             <a:r>
               <a:rPr lang="en-US" dirty="0"/>
-              <a:t>Graphics </a:t>
-            </a:r>
-            <a:r>
-              <a:rPr lang="en-US" dirty="0" smtClean="0"/>
-              <a:t>Trick</a:t>
-            </a:r>
-            <a:endParaRPr lang="en-US" dirty="0"/>
+              <a:t>Graphics Trick</a:t>
+            </a:r>
           </a:p>
         </p:txBody>
       </p:sp>
@@ -11716,7 +11686,7 @@
               <a:buNone/>
             </a:pPr>
             <a:r>
-              <a:rPr lang="en-US" dirty="0" smtClean="0"/>
+              <a:rPr lang="en-US" dirty="0"/>
               <a:t>Draw an x/y axis to see where pen is on canvas</a:t>
             </a:r>
             <a:endParaRPr lang="en-US" strike="sngStrike" dirty="0"/>
@@ -11941,21 +11911,6 @@
   <p:clrMapOvr>
     <a:masterClrMapping/>
   </p:clrMapOvr>
-  <mc:AlternateContent xmlns:mc="http://schemas.openxmlformats.org/markup-compatibility/2006" xmlns:p14="http://schemas.microsoft.com/office/powerpoint/2010/main">
-    <mc:Choice Requires="p14">
-      <p:transition spd="slow" p14:dur="2000"/>
-    </mc:Choice>
-    <mc:Fallback xmlns="">
-      <p:transition spd="slow"/>
-    </mc:Fallback>
-  </mc:AlternateContent>
-  <p:timing>
-    <p:tnLst>
-      <p:par>
-        <p:cTn id="1" dur="indefinite" restart="never" nodeType="tmRoot"/>
-      </p:par>
-    </p:tnLst>
-  </p:timing>
 </p:sld>
 </file>
 
@@ -12581,21 +12536,6 @@
   <p:clrMapOvr>
     <a:masterClrMapping/>
   </p:clrMapOvr>
-  <mc:AlternateContent xmlns:mc="http://schemas.openxmlformats.org/markup-compatibility/2006">
-    <mc:Choice xmlns:p14="http://schemas.microsoft.com/office/powerpoint/2010/main" Requires="p14">
-      <p:transition spd="slow" p14:dur="2000"/>
-    </mc:Choice>
-    <mc:Fallback>
-      <p:transition spd="slow"/>
-    </mc:Fallback>
-  </mc:AlternateContent>
-  <p:timing>
-    <p:tnLst>
-      <p:par>
-        <p:cTn id="1" dur="indefinite" restart="never" nodeType="tmRoot"/>
-      </p:par>
-    </p:tnLst>
-  </p:timing>
 </p:sld>
 </file>
 
@@ -12633,13 +12573,8 @@
           <a:p>
             <a:r>
               <a:rPr lang="en-US" dirty="0"/>
-              <a:t>Graphics </a:t>
-            </a:r>
-            <a:r>
-              <a:rPr lang="en-US" dirty="0" smtClean="0"/>
-              <a:t>Trick</a:t>
-            </a:r>
-            <a:endParaRPr lang="en-US" dirty="0"/>
+              <a:t>Graphics Trick</a:t>
+            </a:r>
           </a:p>
         </p:txBody>
       </p:sp>
@@ -12732,43 +12667,7 @@
                 </a:solidFill>
                 <a:latin typeface="Consolas" panose="020B0609020204030204" pitchFamily="49" charset="0"/>
               </a:rPr>
-              <a:t>//create copy of </a:t>
-            </a:r>
-            <a:r>
-              <a:rPr lang="en-US" dirty="0" smtClean="0">
-                <a:solidFill>
-                  <a:srgbClr val="3F7F5F"/>
-                </a:solidFill>
-                <a:latin typeface="Consolas" panose="020B0609020204030204" pitchFamily="49" charset="0"/>
-              </a:rPr>
-              <a:t>graphics context </a:t>
-            </a:r>
-            <a:r>
-              <a:rPr lang="en-US" dirty="0">
-                <a:solidFill>
-                  <a:srgbClr val="3F7F5F"/>
-                </a:solidFill>
-                <a:latin typeface="Consolas" panose="020B0609020204030204" pitchFamily="49" charset="0"/>
-              </a:rPr>
-              <a:t>to avoid </a:t>
-            </a:r>
-            <a:r>
-              <a:rPr lang="en-US" dirty="0" smtClean="0">
-                <a:solidFill>
-                  <a:srgbClr val="3F7F5F"/>
-                </a:solidFill>
-                <a:latin typeface="Consolas" panose="020B0609020204030204" pitchFamily="49" charset="0"/>
-              </a:rPr>
-              <a:t>undo </a:t>
-            </a:r>
-            <a:r>
-              <a:rPr lang="en-US" dirty="0">
-                <a:solidFill>
-                  <a:srgbClr val="3F7F5F"/>
-                </a:solidFill>
-                <a:latin typeface="Consolas" panose="020B0609020204030204" pitchFamily="49" charset="0"/>
-              </a:rPr>
-              <a:t>translate/rotate</a:t>
+              <a:t>//create copy of graphics context to avoid undo translate/rotate</a:t>
             </a:r>
           </a:p>
           <a:p>
@@ -12849,21 +12748,6 @@
   <p:clrMapOvr>
     <a:masterClrMapping/>
   </p:clrMapOvr>
-  <mc:AlternateContent xmlns:mc="http://schemas.openxmlformats.org/markup-compatibility/2006" xmlns:p14="http://schemas.microsoft.com/office/powerpoint/2010/main">
-    <mc:Choice Requires="p14">
-      <p:transition spd="slow" p14:dur="2000"/>
-    </mc:Choice>
-    <mc:Fallback xmlns="">
-      <p:transition spd="slow"/>
-    </mc:Fallback>
-  </mc:AlternateContent>
-  <p:timing>
-    <p:tnLst>
-      <p:par>
-        <p:cTn id="1" dur="indefinite" restart="never" nodeType="tmRoot"/>
-      </p:par>
-    </p:tnLst>
-  </p:timing>
 </p:sld>
 </file>
 
@@ -13020,7 +12904,7 @@
           <a:p>
             <a:pPr algn="ctr"/>
             <a:r>
-              <a:rPr lang="en-US" sz="3200" b="1" i="1" dirty="0" smtClean="0">
+              <a:rPr lang="en-US" sz="3200" b="1" i="1" dirty="0">
                 <a:solidFill>
                   <a:srgbClr val="FF0000"/>
                 </a:solidFill>
@@ -13028,12 +12912,8 @@
               <a:t>Warning: </a:t>
             </a:r>
             <a:r>
-              <a:rPr lang="en-US" sz="3200" i="1" dirty="0" smtClean="0"/>
-              <a:t>JavaFX </a:t>
-            </a:r>
-            <a:r>
               <a:rPr lang="en-US" sz="3200" i="1" dirty="0"/>
-              <a:t>is </a:t>
+              <a:t>JavaFX is </a:t>
             </a:r>
           </a:p>
           <a:p>
@@ -13137,10 +13017,9 @@
           <a:lstStyle/>
           <a:p>
             <a:r>
-              <a:rPr lang="en-US" dirty="0" smtClean="0"/>
+              <a:rPr lang="en-US" dirty="0"/>
               <a:t>General Design (3 classes)</a:t>
             </a:r>
-            <a:endParaRPr lang="en-US" dirty="0"/>
           </a:p>
         </p:txBody>
       </p:sp>
@@ -13165,14 +13044,14 @@
           <a:lstStyle/>
           <a:p>
             <a:r>
-              <a:rPr lang="en-US" dirty="0" smtClean="0"/>
+              <a:rPr lang="en-US" dirty="0"/>
               <a:t>__Viewer.java   </a:t>
             </a:r>
           </a:p>
           <a:p>
             <a:pPr lvl="1"/>
             <a:r>
-              <a:rPr lang="en-US" dirty="0" smtClean="0"/>
+              <a:rPr lang="en-US" dirty="0"/>
               <a:t>creates a JFrame (window)</a:t>
             </a:r>
           </a:p>
@@ -13180,100 +13059,87 @@
             <a:pPr lvl="1"/>
             <a:r>
               <a:rPr lang="en-US" dirty="0"/>
-              <a:t>main method </a:t>
-            </a:r>
-            <a:r>
-              <a:rPr lang="en-US" dirty="0" smtClean="0"/>
-              <a:t>located here, run this file</a:t>
-            </a:r>
-          </a:p>
-          <a:p>
-            <a:r>
-              <a:rPr lang="en-US" dirty="0" smtClean="0"/>
+              <a:t>main method located here, run this file</a:t>
+            </a:r>
+          </a:p>
+          <a:p>
+            <a:r>
+              <a:rPr lang="en-US" dirty="0"/>
               <a:t>__Component.java</a:t>
             </a:r>
           </a:p>
           <a:p>
             <a:pPr lvl="1"/>
             <a:r>
-              <a:rPr lang="en-US" dirty="0" smtClean="0"/>
+              <a:rPr lang="en-US" dirty="0"/>
               <a:t>This extends </a:t>
             </a:r>
             <a:r>
-              <a:rPr lang="en-US" dirty="0" err="1" smtClean="0"/>
+              <a:rPr lang="en-US" dirty="0" err="1"/>
               <a:t>JComponent</a:t>
             </a:r>
             <a:r>
-              <a:rPr lang="en-US" dirty="0" smtClean="0"/>
+              <a:rPr lang="en-US" dirty="0"/>
               <a:t> (think specialized canvas)</a:t>
             </a:r>
           </a:p>
           <a:p>
             <a:pPr lvl="1"/>
             <a:r>
-              <a:rPr lang="en-US" dirty="0" smtClean="0"/>
+              <a:rPr lang="en-US" dirty="0"/>
               <a:t>Has a </a:t>
             </a:r>
             <a:r>
-              <a:rPr lang="en-US" dirty="0" err="1" smtClean="0"/>
+              <a:rPr lang="en-US" dirty="0" err="1"/>
               <a:t>paintComponent</a:t>
             </a:r>
             <a:r>
-              <a:rPr lang="en-US" dirty="0" smtClean="0"/>
-              <a:t>(</a:t>
-            </a:r>
-            <a:r>
               <a:rPr lang="en-US" dirty="0"/>
-              <a:t>Graphics g</a:t>
-            </a:r>
-            <a:r>
-              <a:rPr lang="en-US" dirty="0" smtClean="0"/>
-              <a:t>) method that determines what gets drawn on canvas</a:t>
-            </a:r>
-          </a:p>
-          <a:p>
-            <a:r>
-              <a:rPr lang="en-US" dirty="0" smtClean="0"/>
+              <a:t>(Graphics g) method that determines what gets drawn on canvas</a:t>
+            </a:r>
+          </a:p>
+          <a:p>
+            <a:r>
+              <a:rPr lang="en-US" dirty="0"/>
               <a:t>__.java </a:t>
             </a:r>
           </a:p>
           <a:p>
             <a:pPr lvl="1"/>
             <a:r>
-              <a:rPr lang="en-US" dirty="0" smtClean="0"/>
+              <a:rPr lang="en-US" dirty="0"/>
               <a:t>This is the class that represents something </a:t>
             </a:r>
           </a:p>
           <a:p>
             <a:pPr lvl="1"/>
             <a:r>
-              <a:rPr lang="en-US" dirty="0" smtClean="0"/>
+              <a:rPr lang="en-US" dirty="0"/>
               <a:t>Has a </a:t>
             </a:r>
             <a:r>
-              <a:rPr lang="en-US" dirty="0" err="1" smtClean="0"/>
+              <a:rPr lang="en-US" dirty="0" err="1"/>
               <a:t>drawOn</a:t>
             </a:r>
             <a:r>
-              <a:rPr lang="en-US" dirty="0" smtClean="0"/>
+              <a:rPr lang="en-US" dirty="0"/>
               <a:t>(Graphics2D g) method to draw itself </a:t>
             </a:r>
           </a:p>
           <a:p>
             <a:pPr lvl="1"/>
             <a:r>
-              <a:rPr lang="en-US" dirty="0" smtClean="0"/>
+              <a:rPr lang="en-US" dirty="0"/>
               <a:t>Instances look different based on properties (instance </a:t>
             </a:r>
             <a:r>
-              <a:rPr lang="en-US" dirty="0" err="1" smtClean="0"/>
+              <a:rPr lang="en-US" dirty="0" err="1"/>
               <a:t>vars</a:t>
             </a:r>
             <a:r>
-              <a:rPr lang="en-US" dirty="0" smtClean="0"/>
+              <a:rPr lang="en-US" dirty="0"/>
               <a:t>)</a:t>
             </a:r>
-            <a:endParaRPr lang="en-US" dirty="0"/>
           </a:p>
         </p:txBody>
       </p:sp>
@@ -16281,13 +16147,6 @@
   <p:clrMapOvr>
     <a:masterClrMapping/>
   </p:clrMapOvr>
-  <p:timing>
-    <p:tnLst>
-      <p:par>
-        <p:cTn id="1" dur="indefinite" restart="never" nodeType="tmRoot"/>
-      </p:par>
-    </p:tnLst>
-  </p:timing>
 </p:sld>
 </file>
 
@@ -16468,13 +16327,6 @@
   <p:clrMapOvr>
     <a:masterClrMapping/>
   </p:clrMapOvr>
-  <p:timing>
-    <p:tnLst>
-      <p:par>
-        <p:cTn id="1" dur="indefinite" restart="never" nodeType="tmRoot"/>
-      </p:par>
-    </p:tnLst>
-  </p:timing>
 </p:sld>
 </file>
 

--- a/ClassMaterials/IntroToGraphics/Slides/Graphics.pptx
+++ b/ClassMaterials/IntroToGraphics/Slides/Graphics.pptx
@@ -11,7 +11,7 @@
   </p:notesMasterIdLst>
   <p:sldIdLst>
     <p:sldId id="256" r:id="rId4"/>
-    <p:sldId id="258" r:id="rId5"/>
+    <p:sldId id="289" r:id="rId5"/>
     <p:sldId id="259" r:id="rId6"/>
     <p:sldId id="277" r:id="rId7"/>
     <p:sldId id="278" r:id="rId8"/>
@@ -5193,7 +5193,7 @@
               <a:pPr>
                 <a:defRPr/>
               </a:pPr>
-              <a:t>Tuesday, March 1, 2022</a:t>
+              <a:t>Tuesday, November 22, 2022</a:t>
             </a:fld>
             <a:endParaRPr lang="en-US" dirty="0"/>
           </a:p>
@@ -10287,6 +10287,102 @@
           </a:p>
         </p:txBody>
       </p:sp>
+      <p:sp>
+        <p:nvSpPr>
+          <p:cNvPr id="2" name="TextBox 1">
+            <a:extLst>
+              <a:ext uri="{FF2B5EF4-FFF2-40B4-BE49-F238E27FC236}">
+                <a16:creationId xmlns:a16="http://schemas.microsoft.com/office/drawing/2014/main" id="{7EA29990-74E3-624E-BB69-B6312725AD83}"/>
+              </a:ext>
+            </a:extLst>
+          </p:cNvPr>
+          <p:cNvSpPr txBox="1"/>
+          <p:nvPr/>
+        </p:nvSpPr>
+        <p:spPr>
+          <a:xfrm>
+            <a:off x="4038600" y="672930"/>
+            <a:ext cx="4619625" cy="1046440"/>
+          </a:xfrm>
+          <a:prstGeom prst="rect">
+            <a:avLst/>
+          </a:prstGeom>
+          <a:noFill/>
+          <a:ln w="12700" cap="flat">
+            <a:noFill/>
+            <a:miter lim="400000"/>
+          </a:ln>
+          <a:effectLst/>
+        </p:spPr>
+        <p:style>
+          <a:lnRef idx="0">
+            <a:scrgbClr r="0" g="0" b="0"/>
+          </a:lnRef>
+          <a:fillRef idx="0">
+            <a:scrgbClr r="0" g="0" b="0"/>
+          </a:fillRef>
+          <a:effectRef idx="0">
+            <a:scrgbClr r="0" g="0" b="0"/>
+          </a:effectRef>
+          <a:fontRef idx="none"/>
+        </p:style>
+        <p:txBody>
+          <a:bodyPr wrap="square">
+            <a:spAutoFit/>
+          </a:bodyPr>
+          <a:lstStyle/>
+          <a:p>
+            <a:r>
+              <a:rPr lang="en-US" dirty="0">
+                <a:highlight>
+                  <a:srgbClr val="FFFF00"/>
+                </a:highlight>
+              </a:rPr>
+              <a:t>Today’s Attendance password</a:t>
+            </a:r>
+          </a:p>
+          <a:p>
+            <a:r>
+              <a:rPr lang="en-US" sz="4400" dirty="0">
+                <a:highlight>
+                  <a:srgbClr val="FFFF00"/>
+                </a:highlight>
+              </a:rPr>
+              <a:t>__________</a:t>
+            </a:r>
+          </a:p>
+        </p:txBody>
+      </p:sp>
+      <p:pic>
+        <p:nvPicPr>
+          <p:cNvPr id="3" name="Picture 2">
+            <a:extLst>
+              <a:ext uri="{FF2B5EF4-FFF2-40B4-BE49-F238E27FC236}">
+                <a16:creationId xmlns:a16="http://schemas.microsoft.com/office/drawing/2014/main" id="{A45AB32E-CCFF-47DA-FB67-AFE3A0ABBA86}"/>
+              </a:ext>
+            </a:extLst>
+          </p:cNvPr>
+          <p:cNvPicPr>
+            <a:picLocks noChangeAspect="1"/>
+          </p:cNvPicPr>
+          <p:nvPr/>
+        </p:nvPicPr>
+        <p:blipFill>
+          <a:blip r:embed="rId3"/>
+          <a:stretch>
+            <a:fillRect/>
+          </a:stretch>
+        </p:blipFill>
+        <p:spPr>
+          <a:xfrm>
+            <a:off x="485775" y="115598"/>
+            <a:ext cx="2683719" cy="2324076"/>
+          </a:xfrm>
+          <a:prstGeom prst="rect">
+            <a:avLst/>
+          </a:prstGeom>
+        </p:spPr>
+      </p:pic>
     </p:spTree>
   </p:cSld>
   <p:clrMapOvr>
@@ -16644,6 +16740,36 @@
           </a:p>
         </p:txBody>
       </p:sp>
+      <p:pic>
+        <p:nvPicPr>
+          <p:cNvPr id="5" name="Picture 4">
+            <a:extLst>
+              <a:ext uri="{FF2B5EF4-FFF2-40B4-BE49-F238E27FC236}">
+                <a16:creationId xmlns:a16="http://schemas.microsoft.com/office/drawing/2014/main" id="{AE55A25A-F6EB-1DE3-0757-D4766CCE0E12}"/>
+              </a:ext>
+            </a:extLst>
+          </p:cNvPr>
+          <p:cNvPicPr>
+            <a:picLocks noChangeAspect="1"/>
+          </p:cNvPicPr>
+          <p:nvPr/>
+        </p:nvPicPr>
+        <p:blipFill>
+          <a:blip r:embed="rId3"/>
+          <a:stretch>
+            <a:fillRect/>
+          </a:stretch>
+        </p:blipFill>
+        <p:spPr>
+          <a:xfrm>
+            <a:off x="4234649" y="0"/>
+            <a:ext cx="4842343" cy="4771445"/>
+          </a:xfrm>
+          <a:prstGeom prst="rect">
+            <a:avLst/>
+          </a:prstGeom>
+        </p:spPr>
+      </p:pic>
     </p:spTree>
   </p:cSld>
   <p:clrMapOvr>

--- a/ClassMaterials/IntroToGraphics/Slides/Graphics.pptx
+++ b/ClassMaterials/IntroToGraphics/Slides/Graphics.pptx
@@ -134,6 +134,35 @@
 </p:presentation>
 </file>
 
+<file path=ppt/changesInfos/changesInfo1.xml><?xml version="1.0" encoding="utf-8"?>
+<pc:chgInfo xmlns:a="http://schemas.openxmlformats.org/drawingml/2006/main" xmlns:r="http://schemas.openxmlformats.org/officeDocument/2006/relationships" xmlns:ac="http://schemas.microsoft.com/office/drawing/2013/main/command" xmlns:pc="http://schemas.microsoft.com/office/powerpoint/2013/main/command">
+  <pc:docChgLst>
+    <pc:chgData name="Yoder, Jason" userId="28f4d4d8-da04-4f86-b14d-a21675737bc5" providerId="ADAL" clId="{70B4608E-79BB-41C4-9091-9D91695EDA7E}"/>
+    <pc:docChg chg="modSld">
+      <pc:chgData name="Yoder, Jason" userId="28f4d4d8-da04-4f86-b14d-a21675737bc5" providerId="ADAL" clId="{70B4608E-79BB-41C4-9091-9D91695EDA7E}" dt="2023-09-03T17:46:40.640" v="4" actId="20577"/>
+      <pc:docMkLst>
+        <pc:docMk/>
+      </pc:docMkLst>
+      <pc:sldChg chg="modSp mod">
+        <pc:chgData name="Yoder, Jason" userId="28f4d4d8-da04-4f86-b14d-a21675737bc5" providerId="ADAL" clId="{70B4608E-79BB-41C4-9091-9D91695EDA7E}" dt="2023-09-03T17:46:40.640" v="4" actId="20577"/>
+        <pc:sldMkLst>
+          <pc:docMk/>
+          <pc:sldMk cId="0" sldId="256"/>
+        </pc:sldMkLst>
+        <pc:spChg chg="mod">
+          <ac:chgData name="Yoder, Jason" userId="28f4d4d8-da04-4f86-b14d-a21675737bc5" providerId="ADAL" clId="{70B4608E-79BB-41C4-9091-9D91695EDA7E}" dt="2023-09-03T17:46:40.640" v="4" actId="20577"/>
+          <ac:spMkLst>
+            <pc:docMk/>
+            <pc:sldMk cId="0" sldId="256"/>
+            <ac:spMk id="2" creationId="{7EA29990-74E3-624E-BB69-B6312725AD83}"/>
+          </ac:spMkLst>
+        </pc:spChg>
+      </pc:sldChg>
+    </pc:docChg>
+  </pc:docChgLst>
+</pc:chgInfo>
+</file>
+
 <file path=ppt/ink/ink1.xml><?xml version="1.0" encoding="utf-8"?>
 <inkml:ink xmlns:inkml="http://www.w3.org/2003/InkML">
   <inkml:definitions>
@@ -5248,7 +5277,7 @@
               <a:pPr>
                 <a:defRPr/>
               </a:pPr>
-              <a:t>Monday, December 12, 2022</a:t>
+              <a:t>Sunday, September 3, 2023</a:t>
             </a:fld>
             <a:endParaRPr lang="en-US" dirty="0"/>
           </a:p>
@@ -10398,12 +10427,12 @@
           </a:p>
           <a:p>
             <a:r>
-              <a:rPr lang="en-US" sz="4400" dirty="0" err="1">
+              <a:rPr lang="en-US" sz="4400">
                 <a:highlight>
                   <a:srgbClr val="FFFF00"/>
                 </a:highlight>
               </a:rPr>
-              <a:t>howtodraw</a:t>
+              <a:t>swing</a:t>
             </a:r>
             <a:endParaRPr lang="en-US" sz="4400" dirty="0">
               <a:highlight>
@@ -11502,6 +11531,13 @@
             </a:effectRef>
             <a:fontRef idx="minor"/>
           </p:style>
+          <p:txBody>
+            <a:bodyPr/>
+            <a:lstStyle/>
+            <a:p>
+              <a:endParaRPr lang="en-US"/>
+            </a:p>
+          </p:txBody>
         </p:sp>
         <p:sp>
           <p:nvSpPr>
@@ -11536,6 +11572,13 @@
             </a:effectRef>
             <a:fontRef idx="minor"/>
           </p:style>
+          <p:txBody>
+            <a:bodyPr/>
+            <a:lstStyle/>
+            <a:p>
+              <a:endParaRPr lang="en-US"/>
+            </a:p>
+          </p:txBody>
         </p:sp>
         <p:sp>
           <p:nvSpPr>
@@ -11570,6 +11613,13 @@
             </a:effectRef>
             <a:fontRef idx="minor"/>
           </p:style>
+          <p:txBody>
+            <a:bodyPr/>
+            <a:lstStyle/>
+            <a:p>
+              <a:endParaRPr lang="en-US"/>
+            </a:p>
+          </p:txBody>
         </p:sp>
         <p:sp>
           <p:nvSpPr>
@@ -11604,6 +11654,13 @@
             </a:effectRef>
             <a:fontRef idx="minor"/>
           </p:style>
+          <p:txBody>
+            <a:bodyPr/>
+            <a:lstStyle/>
+            <a:p>
+              <a:endParaRPr lang="en-US"/>
+            </a:p>
+          </p:txBody>
         </p:sp>
         <p:sp>
           <p:nvSpPr>
@@ -11637,6 +11694,13 @@
             </a:effectRef>
             <a:fontRef idx="minor"/>
           </p:style>
+          <p:txBody>
+            <a:bodyPr/>
+            <a:lstStyle/>
+            <a:p>
+              <a:endParaRPr lang="en-US"/>
+            </a:p>
+          </p:txBody>
         </p:sp>
         <p:sp>
           <p:nvSpPr>
@@ -11670,6 +11734,13 @@
             </a:effectRef>
             <a:fontRef idx="minor"/>
           </p:style>
+          <p:txBody>
+            <a:bodyPr/>
+            <a:lstStyle/>
+            <a:p>
+              <a:endParaRPr lang="en-US"/>
+            </a:p>
+          </p:txBody>
         </p:sp>
         <p:sp>
           <p:nvSpPr>
@@ -11703,6 +11774,13 @@
             </a:effectRef>
             <a:fontRef idx="minor"/>
           </p:style>
+          <p:txBody>
+            <a:bodyPr/>
+            <a:lstStyle/>
+            <a:p>
+              <a:endParaRPr lang="en-US"/>
+            </a:p>
+          </p:txBody>
         </p:sp>
         <p:sp>
           <p:nvSpPr>
@@ -12916,6 +12994,13 @@
             </a:effectRef>
             <a:fontRef idx="minor"/>
           </p:style>
+          <p:txBody>
+            <a:bodyPr/>
+            <a:lstStyle/>
+            <a:p>
+              <a:endParaRPr lang="en-US"/>
+            </a:p>
+          </p:txBody>
         </p:sp>
         <p:sp>
           <p:nvSpPr>
@@ -12950,6 +13035,13 @@
             </a:effectRef>
             <a:fontRef idx="minor"/>
           </p:style>
+          <p:txBody>
+            <a:bodyPr/>
+            <a:lstStyle/>
+            <a:p>
+              <a:endParaRPr lang="en-US"/>
+            </a:p>
+          </p:txBody>
         </p:sp>
         <p:sp>
           <p:nvSpPr>
@@ -12984,6 +13076,13 @@
             </a:effectRef>
             <a:fontRef idx="minor"/>
           </p:style>
+          <p:txBody>
+            <a:bodyPr/>
+            <a:lstStyle/>
+            <a:p>
+              <a:endParaRPr lang="en-US"/>
+            </a:p>
+          </p:txBody>
         </p:sp>
         <p:sp>
           <p:nvSpPr>
@@ -13018,6 +13117,13 @@
             </a:effectRef>
             <a:fontRef idx="minor"/>
           </p:style>
+          <p:txBody>
+            <a:bodyPr/>
+            <a:lstStyle/>
+            <a:p>
+              <a:endParaRPr lang="en-US"/>
+            </a:p>
+          </p:txBody>
         </p:sp>
         <p:sp>
           <p:nvSpPr>
@@ -13051,6 +13157,13 @@
             </a:effectRef>
             <a:fontRef idx="minor"/>
           </p:style>
+          <p:txBody>
+            <a:bodyPr/>
+            <a:lstStyle/>
+            <a:p>
+              <a:endParaRPr lang="en-US"/>
+            </a:p>
+          </p:txBody>
         </p:sp>
         <p:sp>
           <p:nvSpPr>
@@ -13084,6 +13197,13 @@
             </a:effectRef>
             <a:fontRef idx="minor"/>
           </p:style>
+          <p:txBody>
+            <a:bodyPr/>
+            <a:lstStyle/>
+            <a:p>
+              <a:endParaRPr lang="en-US"/>
+            </a:p>
+          </p:txBody>
         </p:sp>
         <p:sp>
           <p:nvSpPr>
@@ -13117,6 +13237,13 @@
             </a:effectRef>
             <a:fontRef idx="minor"/>
           </p:style>
+          <p:txBody>
+            <a:bodyPr/>
+            <a:lstStyle/>
+            <a:p>
+              <a:endParaRPr lang="en-US"/>
+            </a:p>
+          </p:txBody>
         </p:sp>
       </p:grpSp>
     </p:spTree>
@@ -15251,8 +15378,8 @@
           </a:prstGeom>
         </p:spPr>
       </p:pic>
-      <mc:AlternateContent xmlns:mc="http://schemas.openxmlformats.org/markup-compatibility/2006">
-        <mc:Choice xmlns:p14="http://schemas.microsoft.com/office/powerpoint/2010/main" Requires="p14">
+      <mc:AlternateContent xmlns:mc="http://schemas.openxmlformats.org/markup-compatibility/2006" xmlns:p14="http://schemas.microsoft.com/office/powerpoint/2010/main">
+        <mc:Choice Requires="p14">
           <p:contentPart p14:bwMode="auto" r:id="rId5">
             <p14:nvContentPartPr>
               <p14:cNvPr id="4" name="Ink 3">
@@ -15271,7 +15398,7 @@
             </p14:xfrm>
           </p:contentPart>
         </mc:Choice>
-        <mc:Fallback>
+        <mc:Fallback xmlns="">
           <p:pic>
             <p:nvPicPr>
               <p:cNvPr id="4" name="Ink 3">
@@ -15302,8 +15429,8 @@
           </p:pic>
         </mc:Fallback>
       </mc:AlternateContent>
-      <mc:AlternateContent xmlns:mc="http://schemas.openxmlformats.org/markup-compatibility/2006">
-        <mc:Choice xmlns:p14="http://schemas.microsoft.com/office/powerpoint/2010/main" Requires="p14">
+      <mc:AlternateContent xmlns:mc="http://schemas.openxmlformats.org/markup-compatibility/2006" xmlns:p14="http://schemas.microsoft.com/office/powerpoint/2010/main">
+        <mc:Choice Requires="p14">
           <p:contentPart p14:bwMode="auto" r:id="rId7">
             <p14:nvContentPartPr>
               <p14:cNvPr id="6" name="Ink 5">
@@ -15322,7 +15449,7 @@
             </p14:xfrm>
           </p:contentPart>
         </mc:Choice>
-        <mc:Fallback>
+        <mc:Fallback xmlns="">
           <p:pic>
             <p:nvPicPr>
               <p:cNvPr id="6" name="Ink 5">
@@ -19137,6 +19264,13 @@
           </a:effectRef>
           <a:fontRef idx="minor"/>
         </p:style>
+        <p:txBody>
+          <a:bodyPr/>
+          <a:lstStyle/>
+          <a:p>
+            <a:endParaRPr lang="en-US"/>
+          </a:p>
+        </p:txBody>
       </p:sp>
       <p:sp>
         <p:nvSpPr>
@@ -19171,6 +19305,13 @@
           </a:effectRef>
           <a:fontRef idx="minor"/>
         </p:style>
+        <p:txBody>
+          <a:bodyPr/>
+          <a:lstStyle/>
+          <a:p>
+            <a:endParaRPr lang="en-US"/>
+          </a:p>
+        </p:txBody>
       </p:sp>
       <p:sp>
         <p:nvSpPr>
@@ -19376,6 +19517,13 @@
           </a:effectRef>
           <a:fontRef idx="minor"/>
         </p:style>
+        <p:txBody>
+          <a:bodyPr/>
+          <a:lstStyle/>
+          <a:p>
+            <a:endParaRPr lang="en-US"/>
+          </a:p>
+        </p:txBody>
       </p:sp>
       <p:sp>
         <p:nvSpPr>
@@ -19410,6 +19558,13 @@
           </a:effectRef>
           <a:fontRef idx="minor"/>
         </p:style>
+        <p:txBody>
+          <a:bodyPr/>
+          <a:lstStyle/>
+          <a:p>
+            <a:endParaRPr lang="en-US"/>
+          </a:p>
+        </p:txBody>
       </p:sp>
       <p:sp>
         <p:nvSpPr>
@@ -19500,6 +19655,13 @@
           </a:effectRef>
           <a:fontRef idx="minor"/>
         </p:style>
+        <p:txBody>
+          <a:bodyPr/>
+          <a:lstStyle/>
+          <a:p>
+            <a:endParaRPr lang="en-US"/>
+          </a:p>
+        </p:txBody>
       </p:sp>
       <p:sp>
         <p:nvSpPr>
@@ -19674,6 +19836,13 @@
           </a:effectRef>
           <a:fontRef idx="minor"/>
         </p:style>
+        <p:txBody>
+          <a:bodyPr/>
+          <a:lstStyle/>
+          <a:p>
+            <a:endParaRPr lang="en-US"/>
+          </a:p>
+        </p:txBody>
       </p:sp>
       <p:sp>
         <p:nvSpPr>
@@ -19773,6 +19942,13 @@
           </a:effectRef>
           <a:fontRef idx="minor"/>
         </p:style>
+        <p:txBody>
+          <a:bodyPr/>
+          <a:lstStyle/>
+          <a:p>
+            <a:endParaRPr lang="en-US"/>
+          </a:p>
+        </p:txBody>
       </p:sp>
       <p:sp>
         <p:nvSpPr>

--- a/ClassMaterials/IntroToGraphics/Slides/Graphics.pptx
+++ b/ClassMaterials/IntroToGraphics/Slides/Graphics.pptx
@@ -134,35 +134,6 @@
 </p:presentation>
 </file>
 
-<file path=ppt/changesInfos/changesInfo1.xml><?xml version="1.0" encoding="utf-8"?>
-<pc:chgInfo xmlns:a="http://schemas.openxmlformats.org/drawingml/2006/main" xmlns:r="http://schemas.openxmlformats.org/officeDocument/2006/relationships" xmlns:ac="http://schemas.microsoft.com/office/drawing/2013/main/command" xmlns:pc="http://schemas.microsoft.com/office/powerpoint/2013/main/command">
-  <pc:docChgLst>
-    <pc:chgData name="Yoder, Jason" userId="28f4d4d8-da04-4f86-b14d-a21675737bc5" providerId="ADAL" clId="{70B4608E-79BB-41C4-9091-9D91695EDA7E}"/>
-    <pc:docChg chg="modSld">
-      <pc:chgData name="Yoder, Jason" userId="28f4d4d8-da04-4f86-b14d-a21675737bc5" providerId="ADAL" clId="{70B4608E-79BB-41C4-9091-9D91695EDA7E}" dt="2023-09-03T17:46:40.640" v="4" actId="20577"/>
-      <pc:docMkLst>
-        <pc:docMk/>
-      </pc:docMkLst>
-      <pc:sldChg chg="modSp mod">
-        <pc:chgData name="Yoder, Jason" userId="28f4d4d8-da04-4f86-b14d-a21675737bc5" providerId="ADAL" clId="{70B4608E-79BB-41C4-9091-9D91695EDA7E}" dt="2023-09-03T17:46:40.640" v="4" actId="20577"/>
-        <pc:sldMkLst>
-          <pc:docMk/>
-          <pc:sldMk cId="0" sldId="256"/>
-        </pc:sldMkLst>
-        <pc:spChg chg="mod">
-          <ac:chgData name="Yoder, Jason" userId="28f4d4d8-da04-4f86-b14d-a21675737bc5" providerId="ADAL" clId="{70B4608E-79BB-41C4-9091-9D91695EDA7E}" dt="2023-09-03T17:46:40.640" v="4" actId="20577"/>
-          <ac:spMkLst>
-            <pc:docMk/>
-            <pc:sldMk cId="0" sldId="256"/>
-            <ac:spMk id="2" creationId="{7EA29990-74E3-624E-BB69-B6312725AD83}"/>
-          </ac:spMkLst>
-        </pc:spChg>
-      </pc:sldChg>
-    </pc:docChg>
-  </pc:docChgLst>
-</pc:chgInfo>
-</file>
-
 <file path=ppt/ink/ink1.xml><?xml version="1.0" encoding="utf-8"?>
 <inkml:ink xmlns:inkml="http://www.w3.org/2003/InkML">
   <inkml:definitions>
@@ -5277,7 +5248,7 @@
               <a:pPr>
                 <a:defRPr/>
               </a:pPr>
-              <a:t>Sunday, September 3, 2023</a:t>
+              <a:t>Monday, December 12, 2022</a:t>
             </a:fld>
             <a:endParaRPr lang="en-US" dirty="0"/>
           </a:p>
@@ -10427,12 +10398,12 @@
           </a:p>
           <a:p>
             <a:r>
-              <a:rPr lang="en-US" sz="4400">
+              <a:rPr lang="en-US" sz="4400" dirty="0" err="1">
                 <a:highlight>
                   <a:srgbClr val="FFFF00"/>
                 </a:highlight>
               </a:rPr>
-              <a:t>swing</a:t>
+              <a:t>howtodraw</a:t>
             </a:r>
             <a:endParaRPr lang="en-US" sz="4400" dirty="0">
               <a:highlight>
@@ -11531,13 +11502,6 @@
             </a:effectRef>
             <a:fontRef idx="minor"/>
           </p:style>
-          <p:txBody>
-            <a:bodyPr/>
-            <a:lstStyle/>
-            <a:p>
-              <a:endParaRPr lang="en-US"/>
-            </a:p>
-          </p:txBody>
         </p:sp>
         <p:sp>
           <p:nvSpPr>
@@ -11572,13 +11536,6 @@
             </a:effectRef>
             <a:fontRef idx="minor"/>
           </p:style>
-          <p:txBody>
-            <a:bodyPr/>
-            <a:lstStyle/>
-            <a:p>
-              <a:endParaRPr lang="en-US"/>
-            </a:p>
-          </p:txBody>
         </p:sp>
         <p:sp>
           <p:nvSpPr>
@@ -11613,13 +11570,6 @@
             </a:effectRef>
             <a:fontRef idx="minor"/>
           </p:style>
-          <p:txBody>
-            <a:bodyPr/>
-            <a:lstStyle/>
-            <a:p>
-              <a:endParaRPr lang="en-US"/>
-            </a:p>
-          </p:txBody>
         </p:sp>
         <p:sp>
           <p:nvSpPr>
@@ -11654,13 +11604,6 @@
             </a:effectRef>
             <a:fontRef idx="minor"/>
           </p:style>
-          <p:txBody>
-            <a:bodyPr/>
-            <a:lstStyle/>
-            <a:p>
-              <a:endParaRPr lang="en-US"/>
-            </a:p>
-          </p:txBody>
         </p:sp>
         <p:sp>
           <p:nvSpPr>
@@ -11694,13 +11637,6 @@
             </a:effectRef>
             <a:fontRef idx="minor"/>
           </p:style>
-          <p:txBody>
-            <a:bodyPr/>
-            <a:lstStyle/>
-            <a:p>
-              <a:endParaRPr lang="en-US"/>
-            </a:p>
-          </p:txBody>
         </p:sp>
         <p:sp>
           <p:nvSpPr>
@@ -11734,13 +11670,6 @@
             </a:effectRef>
             <a:fontRef idx="minor"/>
           </p:style>
-          <p:txBody>
-            <a:bodyPr/>
-            <a:lstStyle/>
-            <a:p>
-              <a:endParaRPr lang="en-US"/>
-            </a:p>
-          </p:txBody>
         </p:sp>
         <p:sp>
           <p:nvSpPr>
@@ -11774,13 +11703,6 @@
             </a:effectRef>
             <a:fontRef idx="minor"/>
           </p:style>
-          <p:txBody>
-            <a:bodyPr/>
-            <a:lstStyle/>
-            <a:p>
-              <a:endParaRPr lang="en-US"/>
-            </a:p>
-          </p:txBody>
         </p:sp>
         <p:sp>
           <p:nvSpPr>
@@ -12994,13 +12916,6 @@
             </a:effectRef>
             <a:fontRef idx="minor"/>
           </p:style>
-          <p:txBody>
-            <a:bodyPr/>
-            <a:lstStyle/>
-            <a:p>
-              <a:endParaRPr lang="en-US"/>
-            </a:p>
-          </p:txBody>
         </p:sp>
         <p:sp>
           <p:nvSpPr>
@@ -13035,13 +12950,6 @@
             </a:effectRef>
             <a:fontRef idx="minor"/>
           </p:style>
-          <p:txBody>
-            <a:bodyPr/>
-            <a:lstStyle/>
-            <a:p>
-              <a:endParaRPr lang="en-US"/>
-            </a:p>
-          </p:txBody>
         </p:sp>
         <p:sp>
           <p:nvSpPr>
@@ -13076,13 +12984,6 @@
             </a:effectRef>
             <a:fontRef idx="minor"/>
           </p:style>
-          <p:txBody>
-            <a:bodyPr/>
-            <a:lstStyle/>
-            <a:p>
-              <a:endParaRPr lang="en-US"/>
-            </a:p>
-          </p:txBody>
         </p:sp>
         <p:sp>
           <p:nvSpPr>
@@ -13117,13 +13018,6 @@
             </a:effectRef>
             <a:fontRef idx="minor"/>
           </p:style>
-          <p:txBody>
-            <a:bodyPr/>
-            <a:lstStyle/>
-            <a:p>
-              <a:endParaRPr lang="en-US"/>
-            </a:p>
-          </p:txBody>
         </p:sp>
         <p:sp>
           <p:nvSpPr>
@@ -13157,13 +13051,6 @@
             </a:effectRef>
             <a:fontRef idx="minor"/>
           </p:style>
-          <p:txBody>
-            <a:bodyPr/>
-            <a:lstStyle/>
-            <a:p>
-              <a:endParaRPr lang="en-US"/>
-            </a:p>
-          </p:txBody>
         </p:sp>
         <p:sp>
           <p:nvSpPr>
@@ -13197,13 +13084,6 @@
             </a:effectRef>
             <a:fontRef idx="minor"/>
           </p:style>
-          <p:txBody>
-            <a:bodyPr/>
-            <a:lstStyle/>
-            <a:p>
-              <a:endParaRPr lang="en-US"/>
-            </a:p>
-          </p:txBody>
         </p:sp>
         <p:sp>
           <p:nvSpPr>
@@ -13237,13 +13117,6 @@
             </a:effectRef>
             <a:fontRef idx="minor"/>
           </p:style>
-          <p:txBody>
-            <a:bodyPr/>
-            <a:lstStyle/>
-            <a:p>
-              <a:endParaRPr lang="en-US"/>
-            </a:p>
-          </p:txBody>
         </p:sp>
       </p:grpSp>
     </p:spTree>
@@ -15378,8 +15251,8 @@
           </a:prstGeom>
         </p:spPr>
       </p:pic>
-      <mc:AlternateContent xmlns:mc="http://schemas.openxmlformats.org/markup-compatibility/2006" xmlns:p14="http://schemas.microsoft.com/office/powerpoint/2010/main">
-        <mc:Choice Requires="p14">
+      <mc:AlternateContent xmlns:mc="http://schemas.openxmlformats.org/markup-compatibility/2006">
+        <mc:Choice xmlns:p14="http://schemas.microsoft.com/office/powerpoint/2010/main" Requires="p14">
           <p:contentPart p14:bwMode="auto" r:id="rId5">
             <p14:nvContentPartPr>
               <p14:cNvPr id="4" name="Ink 3">
@@ -15398,7 +15271,7 @@
             </p14:xfrm>
           </p:contentPart>
         </mc:Choice>
-        <mc:Fallback xmlns="">
+        <mc:Fallback>
           <p:pic>
             <p:nvPicPr>
               <p:cNvPr id="4" name="Ink 3">
@@ -15429,8 +15302,8 @@
           </p:pic>
         </mc:Fallback>
       </mc:AlternateContent>
-      <mc:AlternateContent xmlns:mc="http://schemas.openxmlformats.org/markup-compatibility/2006" xmlns:p14="http://schemas.microsoft.com/office/powerpoint/2010/main">
-        <mc:Choice Requires="p14">
+      <mc:AlternateContent xmlns:mc="http://schemas.openxmlformats.org/markup-compatibility/2006">
+        <mc:Choice xmlns:p14="http://schemas.microsoft.com/office/powerpoint/2010/main" Requires="p14">
           <p:contentPart p14:bwMode="auto" r:id="rId7">
             <p14:nvContentPartPr>
               <p14:cNvPr id="6" name="Ink 5">
@@ -15449,7 +15322,7 @@
             </p14:xfrm>
           </p:contentPart>
         </mc:Choice>
-        <mc:Fallback xmlns="">
+        <mc:Fallback>
           <p:pic>
             <p:nvPicPr>
               <p:cNvPr id="6" name="Ink 5">
@@ -19264,13 +19137,6 @@
           </a:effectRef>
           <a:fontRef idx="minor"/>
         </p:style>
-        <p:txBody>
-          <a:bodyPr/>
-          <a:lstStyle/>
-          <a:p>
-            <a:endParaRPr lang="en-US"/>
-          </a:p>
-        </p:txBody>
       </p:sp>
       <p:sp>
         <p:nvSpPr>
@@ -19305,13 +19171,6 @@
           </a:effectRef>
           <a:fontRef idx="minor"/>
         </p:style>
-        <p:txBody>
-          <a:bodyPr/>
-          <a:lstStyle/>
-          <a:p>
-            <a:endParaRPr lang="en-US"/>
-          </a:p>
-        </p:txBody>
       </p:sp>
       <p:sp>
         <p:nvSpPr>
@@ -19517,13 +19376,6 @@
           </a:effectRef>
           <a:fontRef idx="minor"/>
         </p:style>
-        <p:txBody>
-          <a:bodyPr/>
-          <a:lstStyle/>
-          <a:p>
-            <a:endParaRPr lang="en-US"/>
-          </a:p>
-        </p:txBody>
       </p:sp>
       <p:sp>
         <p:nvSpPr>
@@ -19558,13 +19410,6 @@
           </a:effectRef>
           <a:fontRef idx="minor"/>
         </p:style>
-        <p:txBody>
-          <a:bodyPr/>
-          <a:lstStyle/>
-          <a:p>
-            <a:endParaRPr lang="en-US"/>
-          </a:p>
-        </p:txBody>
       </p:sp>
       <p:sp>
         <p:nvSpPr>
@@ -19655,13 +19500,6 @@
           </a:effectRef>
           <a:fontRef idx="minor"/>
         </p:style>
-        <p:txBody>
-          <a:bodyPr/>
-          <a:lstStyle/>
-          <a:p>
-            <a:endParaRPr lang="en-US"/>
-          </a:p>
-        </p:txBody>
       </p:sp>
       <p:sp>
         <p:nvSpPr>
@@ -19836,13 +19674,6 @@
           </a:effectRef>
           <a:fontRef idx="minor"/>
         </p:style>
-        <p:txBody>
-          <a:bodyPr/>
-          <a:lstStyle/>
-          <a:p>
-            <a:endParaRPr lang="en-US"/>
-          </a:p>
-        </p:txBody>
       </p:sp>
       <p:sp>
         <p:nvSpPr>
@@ -19942,13 +19773,6 @@
           </a:effectRef>
           <a:fontRef idx="minor"/>
         </p:style>
-        <p:txBody>
-          <a:bodyPr/>
-          <a:lstStyle/>
-          <a:p>
-            <a:endParaRPr lang="en-US"/>
-          </a:p>
-        </p:txBody>
       </p:sp>
       <p:sp>
         <p:nvSpPr>

--- a/ClassMaterials/IntroToGraphics/Slides/Graphics.pptx
+++ b/ClassMaterials/IntroToGraphics/Slides/Graphics.pptx
@@ -5248,7 +5248,7 @@
               <a:pPr>
                 <a:defRPr/>
               </a:pPr>
-              <a:t>Monday, December 12, 2022</a:t>
+              <a:t>Monday, February 26, 2024</a:t>
             </a:fld>
             <a:endParaRPr lang="en-US" dirty="0"/>
           </a:p>
@@ -10263,8 +10263,8 @@
         </p:nvSpPr>
         <p:spPr>
           <a:xfrm>
-            <a:off x="304620" y="5185401"/>
-            <a:ext cx="8534400" cy="1295400"/>
+            <a:off x="304620" y="4612341"/>
+            <a:ext cx="8534400" cy="1868460"/>
           </a:xfrm>
           <a:prstGeom prst="rect">
             <a:avLst/>
@@ -10340,6 +10340,27 @@
             </a:r>
             <a:endParaRPr lang="en-US" sz="2400" i="1" dirty="0"/>
           </a:p>
+          <a:p>
+            <a:r>
+              <a:rPr lang="en-US" sz="2400" dirty="0">
+                <a:solidFill>
+                  <a:srgbClr val="FFFFFF"/>
+                </a:solidFill>
+              </a:rPr>
+              <a:t>The Quiz for today is:</a:t>
+            </a:r>
+          </a:p>
+          <a:p>
+            <a:pPr marL="342900" indent="-342900">
+              <a:buFont typeface="Arial" panose="020B0604020202020204" pitchFamily="34" charset="0"/>
+              <a:buChar char="•"/>
+            </a:pPr>
+            <a:r>
+              <a:rPr lang="en-US" sz="2400" i="1" dirty="0" err="1"/>
+              <a:t>GraphicsQuiz</a:t>
+            </a:r>
+            <a:endParaRPr lang="en-US" sz="2400" i="1" dirty="0"/>
+          </a:p>
         </p:txBody>
       </p:sp>
       <p:sp>
@@ -10398,18 +10419,13 @@
           </a:p>
           <a:p>
             <a:r>
-              <a:rPr lang="en-US" sz="4400" dirty="0" err="1">
+              <a:rPr lang="en-US" sz="4400" dirty="0">
                 <a:highlight>
                   <a:srgbClr val="FFFF00"/>
                 </a:highlight>
               </a:rPr>
-              <a:t>howtodraw</a:t>
-            </a:r>
-            <a:endParaRPr lang="en-US" sz="4400" dirty="0">
-              <a:highlight>
-                <a:srgbClr val="FFFF00"/>
-              </a:highlight>
-            </a:endParaRPr>
+              <a:t>__________</a:t>
+            </a:r>
           </a:p>
         </p:txBody>
       </p:sp>
@@ -11502,6 +11518,13 @@
             </a:effectRef>
             <a:fontRef idx="minor"/>
           </p:style>
+          <p:txBody>
+            <a:bodyPr/>
+            <a:lstStyle/>
+            <a:p>
+              <a:endParaRPr lang="en-US"/>
+            </a:p>
+          </p:txBody>
         </p:sp>
         <p:sp>
           <p:nvSpPr>
@@ -11536,6 +11559,13 @@
             </a:effectRef>
             <a:fontRef idx="minor"/>
           </p:style>
+          <p:txBody>
+            <a:bodyPr/>
+            <a:lstStyle/>
+            <a:p>
+              <a:endParaRPr lang="en-US"/>
+            </a:p>
+          </p:txBody>
         </p:sp>
         <p:sp>
           <p:nvSpPr>
@@ -11570,6 +11600,13 @@
             </a:effectRef>
             <a:fontRef idx="minor"/>
           </p:style>
+          <p:txBody>
+            <a:bodyPr/>
+            <a:lstStyle/>
+            <a:p>
+              <a:endParaRPr lang="en-US"/>
+            </a:p>
+          </p:txBody>
         </p:sp>
         <p:sp>
           <p:nvSpPr>
@@ -11604,6 +11641,13 @@
             </a:effectRef>
             <a:fontRef idx="minor"/>
           </p:style>
+          <p:txBody>
+            <a:bodyPr/>
+            <a:lstStyle/>
+            <a:p>
+              <a:endParaRPr lang="en-US"/>
+            </a:p>
+          </p:txBody>
         </p:sp>
         <p:sp>
           <p:nvSpPr>
@@ -11637,6 +11681,13 @@
             </a:effectRef>
             <a:fontRef idx="minor"/>
           </p:style>
+          <p:txBody>
+            <a:bodyPr/>
+            <a:lstStyle/>
+            <a:p>
+              <a:endParaRPr lang="en-US"/>
+            </a:p>
+          </p:txBody>
         </p:sp>
         <p:sp>
           <p:nvSpPr>
@@ -11670,6 +11721,13 @@
             </a:effectRef>
             <a:fontRef idx="minor"/>
           </p:style>
+          <p:txBody>
+            <a:bodyPr/>
+            <a:lstStyle/>
+            <a:p>
+              <a:endParaRPr lang="en-US"/>
+            </a:p>
+          </p:txBody>
         </p:sp>
         <p:sp>
           <p:nvSpPr>
@@ -11703,6 +11761,13 @@
             </a:effectRef>
             <a:fontRef idx="minor"/>
           </p:style>
+          <p:txBody>
+            <a:bodyPr/>
+            <a:lstStyle/>
+            <a:p>
+              <a:endParaRPr lang="en-US"/>
+            </a:p>
+          </p:txBody>
         </p:sp>
         <p:sp>
           <p:nvSpPr>
@@ -12916,6 +12981,13 @@
             </a:effectRef>
             <a:fontRef idx="minor"/>
           </p:style>
+          <p:txBody>
+            <a:bodyPr/>
+            <a:lstStyle/>
+            <a:p>
+              <a:endParaRPr lang="en-US"/>
+            </a:p>
+          </p:txBody>
         </p:sp>
         <p:sp>
           <p:nvSpPr>
@@ -12950,6 +13022,13 @@
             </a:effectRef>
             <a:fontRef idx="minor"/>
           </p:style>
+          <p:txBody>
+            <a:bodyPr/>
+            <a:lstStyle/>
+            <a:p>
+              <a:endParaRPr lang="en-US"/>
+            </a:p>
+          </p:txBody>
         </p:sp>
         <p:sp>
           <p:nvSpPr>
@@ -12984,6 +13063,13 @@
             </a:effectRef>
             <a:fontRef idx="minor"/>
           </p:style>
+          <p:txBody>
+            <a:bodyPr/>
+            <a:lstStyle/>
+            <a:p>
+              <a:endParaRPr lang="en-US"/>
+            </a:p>
+          </p:txBody>
         </p:sp>
         <p:sp>
           <p:nvSpPr>
@@ -13018,6 +13104,13 @@
             </a:effectRef>
             <a:fontRef idx="minor"/>
           </p:style>
+          <p:txBody>
+            <a:bodyPr/>
+            <a:lstStyle/>
+            <a:p>
+              <a:endParaRPr lang="en-US"/>
+            </a:p>
+          </p:txBody>
         </p:sp>
         <p:sp>
           <p:nvSpPr>
@@ -13051,6 +13144,13 @@
             </a:effectRef>
             <a:fontRef idx="minor"/>
           </p:style>
+          <p:txBody>
+            <a:bodyPr/>
+            <a:lstStyle/>
+            <a:p>
+              <a:endParaRPr lang="en-US"/>
+            </a:p>
+          </p:txBody>
         </p:sp>
         <p:sp>
           <p:nvSpPr>
@@ -13084,6 +13184,13 @@
             </a:effectRef>
             <a:fontRef idx="minor"/>
           </p:style>
+          <p:txBody>
+            <a:bodyPr/>
+            <a:lstStyle/>
+            <a:p>
+              <a:endParaRPr lang="en-US"/>
+            </a:p>
+          </p:txBody>
         </p:sp>
         <p:sp>
           <p:nvSpPr>
@@ -13117,6 +13224,13 @@
             </a:effectRef>
             <a:fontRef idx="minor"/>
           </p:style>
+          <p:txBody>
+            <a:bodyPr/>
+            <a:lstStyle/>
+            <a:p>
+              <a:endParaRPr lang="en-US"/>
+            </a:p>
+          </p:txBody>
         </p:sp>
       </p:grpSp>
     </p:spTree>
@@ -15251,8 +15365,8 @@
           </a:prstGeom>
         </p:spPr>
       </p:pic>
-      <mc:AlternateContent xmlns:mc="http://schemas.openxmlformats.org/markup-compatibility/2006">
-        <mc:Choice xmlns:p14="http://schemas.microsoft.com/office/powerpoint/2010/main" Requires="p14">
+      <mc:AlternateContent xmlns:mc="http://schemas.openxmlformats.org/markup-compatibility/2006" xmlns:p14="http://schemas.microsoft.com/office/powerpoint/2010/main">
+        <mc:Choice Requires="p14">
           <p:contentPart p14:bwMode="auto" r:id="rId5">
             <p14:nvContentPartPr>
               <p14:cNvPr id="4" name="Ink 3">
@@ -15271,7 +15385,7 @@
             </p14:xfrm>
           </p:contentPart>
         </mc:Choice>
-        <mc:Fallback>
+        <mc:Fallback xmlns="">
           <p:pic>
             <p:nvPicPr>
               <p:cNvPr id="4" name="Ink 3">
@@ -15302,8 +15416,8 @@
           </p:pic>
         </mc:Fallback>
       </mc:AlternateContent>
-      <mc:AlternateContent xmlns:mc="http://schemas.openxmlformats.org/markup-compatibility/2006">
-        <mc:Choice xmlns:p14="http://schemas.microsoft.com/office/powerpoint/2010/main" Requires="p14">
+      <mc:AlternateContent xmlns:mc="http://schemas.openxmlformats.org/markup-compatibility/2006" xmlns:p14="http://schemas.microsoft.com/office/powerpoint/2010/main">
+        <mc:Choice Requires="p14">
           <p:contentPart p14:bwMode="auto" r:id="rId7">
             <p14:nvContentPartPr>
               <p14:cNvPr id="6" name="Ink 5">
@@ -15322,7 +15436,7 @@
             </p14:xfrm>
           </p:contentPart>
         </mc:Choice>
-        <mc:Fallback>
+        <mc:Fallback xmlns="">
           <p:pic>
             <p:nvPicPr>
               <p:cNvPr id="6" name="Ink 5">
@@ -19137,6 +19251,13 @@
           </a:effectRef>
           <a:fontRef idx="minor"/>
         </p:style>
+        <p:txBody>
+          <a:bodyPr/>
+          <a:lstStyle/>
+          <a:p>
+            <a:endParaRPr lang="en-US"/>
+          </a:p>
+        </p:txBody>
       </p:sp>
       <p:sp>
         <p:nvSpPr>
@@ -19171,6 +19292,13 @@
           </a:effectRef>
           <a:fontRef idx="minor"/>
         </p:style>
+        <p:txBody>
+          <a:bodyPr/>
+          <a:lstStyle/>
+          <a:p>
+            <a:endParaRPr lang="en-US"/>
+          </a:p>
+        </p:txBody>
       </p:sp>
       <p:sp>
         <p:nvSpPr>
@@ -19376,6 +19504,13 @@
           </a:effectRef>
           <a:fontRef idx="minor"/>
         </p:style>
+        <p:txBody>
+          <a:bodyPr/>
+          <a:lstStyle/>
+          <a:p>
+            <a:endParaRPr lang="en-US"/>
+          </a:p>
+        </p:txBody>
       </p:sp>
       <p:sp>
         <p:nvSpPr>
@@ -19410,6 +19545,13 @@
           </a:effectRef>
           <a:fontRef idx="minor"/>
         </p:style>
+        <p:txBody>
+          <a:bodyPr/>
+          <a:lstStyle/>
+          <a:p>
+            <a:endParaRPr lang="en-US"/>
+          </a:p>
+        </p:txBody>
       </p:sp>
       <p:sp>
         <p:nvSpPr>
@@ -19500,6 +19642,13 @@
           </a:effectRef>
           <a:fontRef idx="minor"/>
         </p:style>
+        <p:txBody>
+          <a:bodyPr/>
+          <a:lstStyle/>
+          <a:p>
+            <a:endParaRPr lang="en-US"/>
+          </a:p>
+        </p:txBody>
       </p:sp>
       <p:sp>
         <p:nvSpPr>
@@ -19674,6 +19823,13 @@
           </a:effectRef>
           <a:fontRef idx="minor"/>
         </p:style>
+        <p:txBody>
+          <a:bodyPr/>
+          <a:lstStyle/>
+          <a:p>
+            <a:endParaRPr lang="en-US"/>
+          </a:p>
+        </p:txBody>
       </p:sp>
       <p:sp>
         <p:nvSpPr>
@@ -19773,6 +19929,13 @@
           </a:effectRef>
           <a:fontRef idx="minor"/>
         </p:style>
+        <p:txBody>
+          <a:bodyPr/>
+          <a:lstStyle/>
+          <a:p>
+            <a:endParaRPr lang="en-US"/>
+          </a:p>
+        </p:txBody>
       </p:sp>
       <p:sp>
         <p:nvSpPr>

--- a/ClassMaterials/IntroToGraphics/Slides/Graphics.pptx
+++ b/ClassMaterials/IntroToGraphics/Slides/Graphics.pptx
@@ -5248,7 +5248,7 @@
               <a:pPr>
                 <a:defRPr/>
               </a:pPr>
-              <a:t>Monday, February 26, 2024</a:t>
+              <a:t>Tuesday, April 22, 2025</a:t>
             </a:fld>
             <a:endParaRPr lang="en-US" dirty="0"/>
           </a:p>
@@ -10363,72 +10363,6 @@
           </a:p>
         </p:txBody>
       </p:sp>
-      <p:sp>
-        <p:nvSpPr>
-          <p:cNvPr id="2" name="TextBox 1">
-            <a:extLst>
-              <a:ext uri="{FF2B5EF4-FFF2-40B4-BE49-F238E27FC236}">
-                <a16:creationId xmlns:a16="http://schemas.microsoft.com/office/drawing/2014/main" id="{7EA29990-74E3-624E-BB69-B6312725AD83}"/>
-              </a:ext>
-            </a:extLst>
-          </p:cNvPr>
-          <p:cNvSpPr txBox="1"/>
-          <p:nvPr/>
-        </p:nvSpPr>
-        <p:spPr>
-          <a:xfrm>
-            <a:off x="4038600" y="672930"/>
-            <a:ext cx="4619625" cy="1046440"/>
-          </a:xfrm>
-          <a:prstGeom prst="rect">
-            <a:avLst/>
-          </a:prstGeom>
-          <a:noFill/>
-          <a:ln w="12700" cap="flat">
-            <a:noFill/>
-            <a:miter lim="400000"/>
-          </a:ln>
-          <a:effectLst/>
-        </p:spPr>
-        <p:style>
-          <a:lnRef idx="0">
-            <a:scrgbClr r="0" g="0" b="0"/>
-          </a:lnRef>
-          <a:fillRef idx="0">
-            <a:scrgbClr r="0" g="0" b="0"/>
-          </a:fillRef>
-          <a:effectRef idx="0">
-            <a:scrgbClr r="0" g="0" b="0"/>
-          </a:effectRef>
-          <a:fontRef idx="none"/>
-        </p:style>
-        <p:txBody>
-          <a:bodyPr wrap="square">
-            <a:spAutoFit/>
-          </a:bodyPr>
-          <a:lstStyle/>
-          <a:p>
-            <a:r>
-              <a:rPr lang="en-US" dirty="0">
-                <a:highlight>
-                  <a:srgbClr val="FFFF00"/>
-                </a:highlight>
-              </a:rPr>
-              <a:t>Today’s Attendance password</a:t>
-            </a:r>
-          </a:p>
-          <a:p>
-            <a:r>
-              <a:rPr lang="en-US" sz="4400" dirty="0">
-                <a:highlight>
-                  <a:srgbClr val="FFFF00"/>
-                </a:highlight>
-              </a:rPr>
-              <a:t>__________</a:t>
-            </a:r>
-          </a:p>
-        </p:txBody>
-      </p:sp>
       <p:pic>
         <p:nvPicPr>
           <p:cNvPr id="3" name="Picture 2">
@@ -10451,7 +10385,7 @@
         </p:blipFill>
         <p:spPr>
           <a:xfrm>
-            <a:off x="485775" y="115598"/>
+            <a:off x="6155301" y="1199054"/>
             <a:ext cx="2683719" cy="2324076"/>
           </a:xfrm>
           <a:prstGeom prst="rect">
@@ -10459,6 +10393,69 @@
           </a:prstGeom>
         </p:spPr>
       </p:pic>
+      <p:sp>
+        <p:nvSpPr>
+          <p:cNvPr id="4" name="Shape 54">
+            <a:extLst>
+              <a:ext uri="{FF2B5EF4-FFF2-40B4-BE49-F238E27FC236}">
+                <a16:creationId xmlns:a16="http://schemas.microsoft.com/office/drawing/2014/main" id="{EE8B0DC1-5186-A91F-55CB-5FE97CCB24E0}"/>
+              </a:ext>
+            </a:extLst>
+          </p:cNvPr>
+          <p:cNvSpPr/>
+          <p:nvPr/>
+        </p:nvSpPr>
+        <p:spPr>
+          <a:xfrm>
+            <a:off x="5539154" y="209686"/>
+            <a:ext cx="3346430" cy="738664"/>
+          </a:xfrm>
+          <a:prstGeom prst="rect">
+            <a:avLst/>
+          </a:prstGeom>
+          <a:solidFill>
+            <a:srgbClr val="9BBB59"/>
+          </a:solidFill>
+          <a:ln w="25400" cap="rnd">
+            <a:solidFill>
+              <a:srgbClr val="718841"/>
+            </a:solidFill>
+          </a:ln>
+          <a:extLst>
+            <a:ext uri="{C572A759-6A51-4108-AA02-DFA0A04FC94B}">
+              <ma14:wrappingTextBoxFlag xmlns="" xmlns:ma14="http://schemas.microsoft.com/office/mac/drawingml/2011/main" val="1"/>
+            </a:ext>
+          </a:extLst>
+        </p:spPr>
+        <p:txBody>
+          <a:bodyPr wrap="square" lIns="0" tIns="0" rIns="0" bIns="0">
+            <a:spAutoFit/>
+          </a:bodyPr>
+          <a:lstStyle/>
+          <a:p>
+            <a:pPr lvl="0"/>
+            <a:r>
+              <a:rPr lang="en-US" sz="2400" i="1" dirty="0">
+                <a:solidFill>
+                  <a:srgbClr val="FFFFFF"/>
+                </a:solidFill>
+              </a:rPr>
+              <a:t> Attendance password    </a:t>
+            </a:r>
+          </a:p>
+          <a:p>
+            <a:pPr lvl="0"/>
+            <a:r>
+              <a:rPr lang="en-US" sz="2400" i="1" dirty="0">
+                <a:solidFill>
+                  <a:srgbClr val="FFFFFF"/>
+                </a:solidFill>
+              </a:rPr>
+              <a:t> is written on the board</a:t>
+            </a:r>
+          </a:p>
+        </p:txBody>
+      </p:sp>
     </p:spTree>
   </p:cSld>
   <p:clrMapOvr>
